--- a/docs/ttm DB설계.pptx
+++ b/docs/ttm DB설계.pptx
@@ -6,7 +6,12 @@
   </p:sldMasterIdLst>
   <p:sldIdLst>
     <p:sldId id="256" r:id="rId2"/>
-    <p:sldId id="257" r:id="rId3"/>
+    <p:sldId id="258" r:id="rId3"/>
+    <p:sldId id="259" r:id="rId4"/>
+    <p:sldId id="260" r:id="rId5"/>
+    <p:sldId id="262" r:id="rId6"/>
+    <p:sldId id="261" r:id="rId7"/>
+    <p:sldId id="263" r:id="rId8"/>
   </p:sldIdLst>
   <p:sldSz cx="9144000" cy="6858000" type="screen4x3"/>
   <p:notesSz cx="6858000" cy="9144000"/>
@@ -3138,33 +3143,3231 @@
           <a:bodyPr/>
           <a:lstStyle/>
           <a:p>
-            <a:endParaRPr lang="ko-KR" altLang="en-US"/>
-          </a:p>
-        </p:txBody>
-      </p:sp>
-      <p:sp>
-        <p:nvSpPr>
-          <p:cNvPr id="3" name="내용 개체 틀 2"/>
-          <p:cNvSpPr>
-            <a:spLocks noGrp="1"/>
-          </p:cNvSpPr>
-          <p:nvPr>
-            <p:ph idx="1"/>
-          </p:nvPr>
-        </p:nvSpPr>
-        <p:spPr/>
-        <p:txBody>
-          <a:bodyPr/>
-          <a:lstStyle/>
-          <a:p>
-            <a:endParaRPr lang="ko-KR" altLang="en-US"/>
-          </a:p>
-        </p:txBody>
-      </p:sp>
+            <a:r>
+              <a:rPr lang="ko-KR" altLang="en-US" dirty="0" smtClean="0"/>
+              <a:t>사이트 구조</a:t>
+            </a:r>
+            <a:r>
+              <a:rPr lang="en-US" altLang="ko-KR" dirty="0" smtClean="0"/>
+              <a:t>(</a:t>
+            </a:r>
+            <a:r>
+              <a:rPr lang="ko-KR" altLang="en-US" dirty="0" smtClean="0"/>
+              <a:t>임시</a:t>
+            </a:r>
+            <a:r>
+              <a:rPr lang="en-US" altLang="ko-KR" dirty="0" smtClean="0"/>
+              <a:t>)</a:t>
+            </a:r>
+            <a:endParaRPr lang="ko-KR" altLang="en-US" dirty="0"/>
+          </a:p>
+        </p:txBody>
+      </p:sp>
+      <p:sp>
+        <p:nvSpPr>
+          <p:cNvPr id="4" name="직사각형 3"/>
+          <p:cNvSpPr/>
+          <p:nvPr/>
+        </p:nvSpPr>
+        <p:spPr>
+          <a:xfrm>
+            <a:off x="3851920" y="1556792"/>
+            <a:ext cx="1440160" cy="504056"/>
+          </a:xfrm>
+          <a:prstGeom prst="rect">
+            <a:avLst/>
+          </a:prstGeom>
+          <a:noFill/>
+        </p:spPr>
+        <p:style>
+          <a:lnRef idx="2">
+            <a:schemeClr val="accent1">
+              <a:shade val="50000"/>
+            </a:schemeClr>
+          </a:lnRef>
+          <a:fillRef idx="1">
+            <a:schemeClr val="accent1"/>
+          </a:fillRef>
+          <a:effectRef idx="0">
+            <a:schemeClr val="accent1"/>
+          </a:effectRef>
+          <a:fontRef idx="minor">
+            <a:schemeClr val="lt1"/>
+          </a:fontRef>
+        </p:style>
+        <p:txBody>
+          <a:bodyPr rtlCol="0" anchor="ctr"/>
+          <a:lstStyle/>
+          <a:p>
+            <a:pPr algn="ctr"/>
+            <a:r>
+              <a:rPr lang="ko-KR" altLang="en-US" dirty="0" err="1" smtClean="0">
+                <a:solidFill>
+                  <a:schemeClr val="tx2"/>
+                </a:solidFill>
+              </a:rPr>
+              <a:t>메인화면</a:t>
+            </a:r>
+            <a:endParaRPr lang="ko-KR" altLang="en-US" dirty="0">
+              <a:solidFill>
+                <a:schemeClr val="tx2"/>
+              </a:solidFill>
+            </a:endParaRPr>
+          </a:p>
+        </p:txBody>
+      </p:sp>
+      <p:sp>
+        <p:nvSpPr>
+          <p:cNvPr id="5" name="직사각형 4"/>
+          <p:cNvSpPr/>
+          <p:nvPr/>
+        </p:nvSpPr>
+        <p:spPr>
+          <a:xfrm>
+            <a:off x="3851920" y="2996952"/>
+            <a:ext cx="1440160" cy="504056"/>
+          </a:xfrm>
+          <a:prstGeom prst="rect">
+            <a:avLst/>
+          </a:prstGeom>
+          <a:noFill/>
+        </p:spPr>
+        <p:style>
+          <a:lnRef idx="2">
+            <a:schemeClr val="accent1">
+              <a:shade val="50000"/>
+            </a:schemeClr>
+          </a:lnRef>
+          <a:fillRef idx="1">
+            <a:schemeClr val="accent1"/>
+          </a:fillRef>
+          <a:effectRef idx="0">
+            <a:schemeClr val="accent1"/>
+          </a:effectRef>
+          <a:fontRef idx="minor">
+            <a:schemeClr val="lt1"/>
+          </a:fontRef>
+        </p:style>
+        <p:txBody>
+          <a:bodyPr rtlCol="0" anchor="ctr"/>
+          <a:lstStyle/>
+          <a:p>
+            <a:pPr algn="ctr"/>
+            <a:r>
+              <a:rPr lang="ko-KR" altLang="en-US" dirty="0" err="1" smtClean="0">
+                <a:solidFill>
+                  <a:schemeClr val="tx2"/>
+                </a:solidFill>
+              </a:rPr>
+              <a:t>샵</a:t>
+            </a:r>
+            <a:r>
+              <a:rPr lang="ko-KR" altLang="en-US" dirty="0" smtClean="0">
+                <a:solidFill>
+                  <a:schemeClr val="tx2"/>
+                </a:solidFill>
+              </a:rPr>
+              <a:t> 리스트</a:t>
+            </a:r>
+            <a:endParaRPr lang="ko-KR" altLang="en-US" dirty="0">
+              <a:solidFill>
+                <a:schemeClr val="tx2"/>
+              </a:solidFill>
+            </a:endParaRPr>
+          </a:p>
+        </p:txBody>
+      </p:sp>
+      <p:cxnSp>
+        <p:nvCxnSpPr>
+          <p:cNvPr id="7" name="직선 화살표 연결선 6"/>
+          <p:cNvCxnSpPr>
+            <a:stCxn id="4" idx="2"/>
+            <a:endCxn id="5" idx="0"/>
+          </p:cNvCxnSpPr>
+          <p:nvPr/>
+        </p:nvCxnSpPr>
+        <p:spPr>
+          <a:xfrm>
+            <a:off x="4572000" y="2060848"/>
+            <a:ext cx="0" cy="936104"/>
+          </a:xfrm>
+          <a:prstGeom prst="straightConnector1">
+            <a:avLst/>
+          </a:prstGeom>
+          <a:ln>
+            <a:tailEnd type="arrow"/>
+          </a:ln>
+        </p:spPr>
+        <p:style>
+          <a:lnRef idx="1">
+            <a:schemeClr val="accent1"/>
+          </a:lnRef>
+          <a:fillRef idx="0">
+            <a:schemeClr val="accent1"/>
+          </a:fillRef>
+          <a:effectRef idx="0">
+            <a:schemeClr val="accent1"/>
+          </a:effectRef>
+          <a:fontRef idx="minor">
+            <a:schemeClr val="tx1"/>
+          </a:fontRef>
+        </p:style>
+      </p:cxnSp>
+      <p:sp>
+        <p:nvSpPr>
+          <p:cNvPr id="8" name="TextBox 7"/>
+          <p:cNvSpPr txBox="1"/>
+          <p:nvPr/>
+        </p:nvSpPr>
+        <p:spPr>
+          <a:xfrm>
+            <a:off x="4788024" y="2217638"/>
+            <a:ext cx="3456384" cy="646331"/>
+          </a:xfrm>
+          <a:prstGeom prst="rect">
+            <a:avLst/>
+          </a:prstGeom>
+          <a:noFill/>
+        </p:spPr>
+        <p:txBody>
+          <a:bodyPr wrap="square" rtlCol="0">
+            <a:spAutoFit/>
+          </a:bodyPr>
+          <a:lstStyle/>
+          <a:p>
+            <a:r>
+              <a:rPr lang="ko-KR" altLang="en-US" dirty="0" err="1" smtClean="0"/>
+              <a:t>이레즈미</a:t>
+            </a:r>
+            <a:r>
+              <a:rPr lang="en-US" altLang="ko-KR" dirty="0" smtClean="0"/>
+              <a:t>, </a:t>
+            </a:r>
+            <a:r>
+              <a:rPr lang="ko-KR" altLang="en-US" dirty="0" err="1" smtClean="0"/>
+              <a:t>뉴</a:t>
+            </a:r>
+            <a:r>
+              <a:rPr lang="ko-KR" altLang="en-US" dirty="0" smtClean="0"/>
+              <a:t> </a:t>
+            </a:r>
+            <a:r>
+              <a:rPr lang="ko-KR" altLang="en-US" dirty="0" err="1" smtClean="0"/>
+              <a:t>올드스쿨</a:t>
+            </a:r>
+            <a:r>
+              <a:rPr lang="en-US" altLang="ko-KR" dirty="0" smtClean="0"/>
+              <a:t>, </a:t>
+            </a:r>
+            <a:r>
+              <a:rPr lang="ko-KR" altLang="en-US" dirty="0" smtClean="0"/>
+              <a:t>블랙 앤 </a:t>
+            </a:r>
+            <a:r>
+              <a:rPr lang="ko-KR" altLang="en-US" dirty="0" err="1" smtClean="0"/>
+              <a:t>그레이</a:t>
+            </a:r>
+            <a:r>
+              <a:rPr lang="en-US" altLang="ko-KR" dirty="0" smtClean="0"/>
+              <a:t>, </a:t>
+            </a:r>
+            <a:r>
+              <a:rPr lang="ko-KR" altLang="en-US" dirty="0" err="1" smtClean="0"/>
+              <a:t>리얼</a:t>
+            </a:r>
+            <a:r>
+              <a:rPr lang="en-US" altLang="ko-KR" dirty="0" smtClean="0"/>
+              <a:t>, </a:t>
+            </a:r>
+            <a:r>
+              <a:rPr lang="ko-KR" altLang="en-US" dirty="0" smtClean="0"/>
+              <a:t>포인트 중 </a:t>
+            </a:r>
+            <a:r>
+              <a:rPr lang="en-US" altLang="ko-KR" dirty="0" smtClean="0"/>
+              <a:t>1 </a:t>
+            </a:r>
+            <a:r>
+              <a:rPr lang="ko-KR" altLang="en-US" dirty="0" smtClean="0"/>
+              <a:t>선택</a:t>
+            </a:r>
+            <a:endParaRPr lang="ko-KR" altLang="en-US" dirty="0"/>
+          </a:p>
+        </p:txBody>
+      </p:sp>
+      <p:sp>
+        <p:nvSpPr>
+          <p:cNvPr id="10" name="직사각형 9"/>
+          <p:cNvSpPr/>
+          <p:nvPr/>
+        </p:nvSpPr>
+        <p:spPr>
+          <a:xfrm>
+            <a:off x="3846270" y="4461994"/>
+            <a:ext cx="1440160" cy="504056"/>
+          </a:xfrm>
+          <a:prstGeom prst="rect">
+            <a:avLst/>
+          </a:prstGeom>
+          <a:noFill/>
+        </p:spPr>
+        <p:style>
+          <a:lnRef idx="2">
+            <a:schemeClr val="accent1">
+              <a:shade val="50000"/>
+            </a:schemeClr>
+          </a:lnRef>
+          <a:fillRef idx="1">
+            <a:schemeClr val="accent1"/>
+          </a:fillRef>
+          <a:effectRef idx="0">
+            <a:schemeClr val="accent1"/>
+          </a:effectRef>
+          <a:fontRef idx="minor">
+            <a:schemeClr val="lt1"/>
+          </a:fontRef>
+        </p:style>
+        <p:txBody>
+          <a:bodyPr rtlCol="0" anchor="ctr"/>
+          <a:lstStyle/>
+          <a:p>
+            <a:pPr algn="ctr"/>
+            <a:r>
+              <a:rPr lang="ko-KR" altLang="en-US" dirty="0" err="1" smtClean="0">
+                <a:solidFill>
+                  <a:schemeClr val="tx2"/>
+                </a:solidFill>
+              </a:rPr>
+              <a:t>샵</a:t>
+            </a:r>
+            <a:r>
+              <a:rPr lang="ko-KR" altLang="en-US" dirty="0" smtClean="0">
+                <a:solidFill>
+                  <a:schemeClr val="tx2"/>
+                </a:solidFill>
+              </a:rPr>
+              <a:t> 정보</a:t>
+            </a:r>
+            <a:endParaRPr lang="ko-KR" altLang="en-US" dirty="0">
+              <a:solidFill>
+                <a:schemeClr val="tx2"/>
+              </a:solidFill>
+            </a:endParaRPr>
+          </a:p>
+        </p:txBody>
+      </p:sp>
+      <p:cxnSp>
+        <p:nvCxnSpPr>
+          <p:cNvPr id="11" name="직선 화살표 연결선 10"/>
+          <p:cNvCxnSpPr>
+            <a:stCxn id="5" idx="2"/>
+            <a:endCxn id="10" idx="0"/>
+          </p:cNvCxnSpPr>
+          <p:nvPr/>
+        </p:nvCxnSpPr>
+        <p:spPr>
+          <a:xfrm flipH="1">
+            <a:off x="4566350" y="3501008"/>
+            <a:ext cx="5650" cy="960986"/>
+          </a:xfrm>
+          <a:prstGeom prst="straightConnector1">
+            <a:avLst/>
+          </a:prstGeom>
+          <a:ln>
+            <a:tailEnd type="arrow"/>
+          </a:ln>
+        </p:spPr>
+        <p:style>
+          <a:lnRef idx="1">
+            <a:schemeClr val="accent1"/>
+          </a:lnRef>
+          <a:fillRef idx="0">
+            <a:schemeClr val="accent1"/>
+          </a:fillRef>
+          <a:effectRef idx="0">
+            <a:schemeClr val="accent1"/>
+          </a:effectRef>
+          <a:fontRef idx="minor">
+            <a:schemeClr val="tx1"/>
+          </a:fontRef>
+        </p:style>
+      </p:cxnSp>
+      <p:grpSp>
+        <p:nvGrpSpPr>
+          <p:cNvPr id="27" name="그룹 26"/>
+          <p:cNvGrpSpPr/>
+          <p:nvPr/>
+        </p:nvGrpSpPr>
+        <p:grpSpPr>
+          <a:xfrm>
+            <a:off x="1688947" y="6021288"/>
+            <a:ext cx="5048765" cy="504056"/>
+            <a:chOff x="1691680" y="5904410"/>
+            <a:chExt cx="5048765" cy="504056"/>
+          </a:xfrm>
+        </p:grpSpPr>
+        <p:sp>
+          <p:nvSpPr>
+            <p:cNvPr id="20" name="직사각형 19"/>
+            <p:cNvSpPr/>
+            <p:nvPr/>
+          </p:nvSpPr>
+          <p:spPr>
+            <a:xfrm>
+              <a:off x="3851920" y="5904410"/>
+              <a:ext cx="1440160" cy="504056"/>
+            </a:xfrm>
+            <a:prstGeom prst="rect">
+              <a:avLst/>
+            </a:prstGeom>
+            <a:noFill/>
+          </p:spPr>
+          <p:style>
+            <a:lnRef idx="2">
+              <a:schemeClr val="accent1">
+                <a:shade val="50000"/>
+              </a:schemeClr>
+            </a:lnRef>
+            <a:fillRef idx="1">
+              <a:schemeClr val="accent1"/>
+            </a:fillRef>
+            <a:effectRef idx="0">
+              <a:schemeClr val="accent1"/>
+            </a:effectRef>
+            <a:fontRef idx="minor">
+              <a:schemeClr val="lt1"/>
+            </a:fontRef>
+          </p:style>
+          <p:txBody>
+            <a:bodyPr rtlCol="0" anchor="ctr"/>
+            <a:lstStyle/>
+            <a:p>
+              <a:pPr algn="ctr"/>
+              <a:r>
+                <a:rPr lang="ko-KR" altLang="en-US" dirty="0" smtClean="0">
+                  <a:solidFill>
+                    <a:schemeClr val="tx2"/>
+                  </a:solidFill>
+                </a:rPr>
+                <a:t>작품 사진</a:t>
+              </a:r>
+              <a:endParaRPr lang="ko-KR" altLang="en-US" dirty="0">
+                <a:solidFill>
+                  <a:schemeClr val="tx2"/>
+                </a:solidFill>
+              </a:endParaRPr>
+            </a:p>
+          </p:txBody>
+        </p:sp>
+        <p:sp>
+          <p:nvSpPr>
+            <p:cNvPr id="21" name="직사각형 20"/>
+            <p:cNvSpPr/>
+            <p:nvPr/>
+          </p:nvSpPr>
+          <p:spPr>
+            <a:xfrm>
+              <a:off x="1691680" y="5904410"/>
+              <a:ext cx="2160240" cy="504056"/>
+            </a:xfrm>
+            <a:prstGeom prst="rect">
+              <a:avLst/>
+            </a:prstGeom>
+            <a:noFill/>
+          </p:spPr>
+          <p:style>
+            <a:lnRef idx="2">
+              <a:schemeClr val="accent1">
+                <a:shade val="50000"/>
+              </a:schemeClr>
+            </a:lnRef>
+            <a:fillRef idx="1">
+              <a:schemeClr val="accent1"/>
+            </a:fillRef>
+            <a:effectRef idx="0">
+              <a:schemeClr val="accent1"/>
+            </a:effectRef>
+            <a:fontRef idx="minor">
+              <a:schemeClr val="lt1"/>
+            </a:fontRef>
+          </p:style>
+          <p:txBody>
+            <a:bodyPr rtlCol="0" anchor="ctr"/>
+            <a:lstStyle/>
+            <a:p>
+              <a:pPr algn="ctr"/>
+              <a:r>
+                <a:rPr lang="ko-KR" altLang="en-US" dirty="0" err="1" smtClean="0">
+                  <a:solidFill>
+                    <a:schemeClr val="tx2"/>
+                  </a:solidFill>
+                </a:rPr>
+                <a:t>샵</a:t>
+              </a:r>
+              <a:r>
+                <a:rPr lang="en-US" altLang="ko-KR" dirty="0" smtClean="0">
+                  <a:solidFill>
+                    <a:schemeClr val="tx2"/>
+                  </a:solidFill>
+                </a:rPr>
+                <a:t>, </a:t>
+              </a:r>
+              <a:r>
+                <a:rPr lang="ko-KR" altLang="en-US" dirty="0" smtClean="0">
+                  <a:solidFill>
+                    <a:schemeClr val="tx2"/>
+                  </a:solidFill>
+                </a:rPr>
+                <a:t>아티스트 소개</a:t>
+              </a:r>
+              <a:endParaRPr lang="ko-KR" altLang="en-US" dirty="0">
+                <a:solidFill>
+                  <a:schemeClr val="tx2"/>
+                </a:solidFill>
+              </a:endParaRPr>
+            </a:p>
+          </p:txBody>
+        </p:sp>
+        <p:sp>
+          <p:nvSpPr>
+            <p:cNvPr id="22" name="직사각형 21"/>
+            <p:cNvSpPr/>
+            <p:nvPr/>
+          </p:nvSpPr>
+          <p:spPr>
+            <a:xfrm>
+              <a:off x="5300285" y="5904410"/>
+              <a:ext cx="1440160" cy="504056"/>
+            </a:xfrm>
+            <a:prstGeom prst="rect">
+              <a:avLst/>
+            </a:prstGeom>
+            <a:noFill/>
+          </p:spPr>
+          <p:style>
+            <a:lnRef idx="2">
+              <a:schemeClr val="accent1">
+                <a:shade val="50000"/>
+              </a:schemeClr>
+            </a:lnRef>
+            <a:fillRef idx="1">
+              <a:schemeClr val="accent1"/>
+            </a:fillRef>
+            <a:effectRef idx="0">
+              <a:schemeClr val="accent1"/>
+            </a:effectRef>
+            <a:fontRef idx="minor">
+              <a:schemeClr val="lt1"/>
+            </a:fontRef>
+          </p:style>
+          <p:txBody>
+            <a:bodyPr rtlCol="0" anchor="ctr"/>
+            <a:lstStyle/>
+            <a:p>
+              <a:pPr algn="ctr"/>
+              <a:r>
+                <a:rPr lang="ko-KR" altLang="en-US" dirty="0" smtClean="0">
+                  <a:solidFill>
+                    <a:schemeClr val="tx2"/>
+                  </a:solidFill>
+                </a:rPr>
+                <a:t>리</a:t>
+              </a:r>
+              <a:r>
+                <a:rPr lang="ko-KR" altLang="en-US" dirty="0">
+                  <a:solidFill>
+                    <a:schemeClr val="tx2"/>
+                  </a:solidFill>
+                </a:rPr>
+                <a:t>뷰</a:t>
+              </a:r>
+            </a:p>
+          </p:txBody>
+        </p:sp>
+      </p:grpSp>
+      <p:sp>
+        <p:nvSpPr>
+          <p:cNvPr id="29" name="TextBox 28"/>
+          <p:cNvSpPr txBox="1"/>
+          <p:nvPr/>
+        </p:nvSpPr>
+        <p:spPr>
+          <a:xfrm>
+            <a:off x="4927937" y="3645024"/>
+            <a:ext cx="958917" cy="369332"/>
+          </a:xfrm>
+          <a:prstGeom prst="rect">
+            <a:avLst/>
+          </a:prstGeom>
+          <a:noFill/>
+        </p:spPr>
+        <p:txBody>
+          <a:bodyPr wrap="none" rtlCol="0">
+            <a:spAutoFit/>
+          </a:bodyPr>
+          <a:lstStyle/>
+          <a:p>
+            <a:r>
+              <a:rPr lang="ko-KR" altLang="en-US" dirty="0" err="1" smtClean="0"/>
+              <a:t>샵</a:t>
+            </a:r>
+            <a:r>
+              <a:rPr lang="ko-KR" altLang="en-US" dirty="0" smtClean="0"/>
+              <a:t> 선택</a:t>
+            </a:r>
+            <a:endParaRPr lang="ko-KR" altLang="en-US" dirty="0"/>
+          </a:p>
+        </p:txBody>
+      </p:sp>
+      <p:sp>
+        <p:nvSpPr>
+          <p:cNvPr id="30" name="TextBox 29"/>
+          <p:cNvSpPr txBox="1"/>
+          <p:nvPr/>
+        </p:nvSpPr>
+        <p:spPr>
+          <a:xfrm>
+            <a:off x="5364088" y="4797152"/>
+            <a:ext cx="3221588" cy="646331"/>
+          </a:xfrm>
+          <a:prstGeom prst="rect">
+            <a:avLst/>
+          </a:prstGeom>
+          <a:noFill/>
+        </p:spPr>
+        <p:txBody>
+          <a:bodyPr wrap="none" rtlCol="0">
+            <a:spAutoFit/>
+          </a:bodyPr>
+          <a:lstStyle/>
+          <a:p>
+            <a:r>
+              <a:rPr lang="en-US" altLang="ko-KR" dirty="0" err="1" smtClean="0"/>
+              <a:t>Slidertabs</a:t>
+            </a:r>
+            <a:r>
+              <a:rPr lang="ko-KR" altLang="en-US" dirty="0" smtClean="0"/>
+              <a:t>를 사용해서 아래의</a:t>
+            </a:r>
+            <a:endParaRPr lang="en-US" altLang="ko-KR" dirty="0" smtClean="0"/>
+          </a:p>
+          <a:p>
+            <a:r>
+              <a:rPr lang="ko-KR" altLang="en-US" dirty="0" smtClean="0"/>
+              <a:t>세 가지 화면을 보여준다</a:t>
+            </a:r>
+            <a:endParaRPr lang="ko-KR" altLang="en-US" dirty="0"/>
+          </a:p>
+        </p:txBody>
+      </p:sp>
+      <p:cxnSp>
+        <p:nvCxnSpPr>
+          <p:cNvPr id="32" name="꺾인 연결선 31"/>
+          <p:cNvCxnSpPr>
+            <a:stCxn id="10" idx="2"/>
+            <a:endCxn id="21" idx="0"/>
+          </p:cNvCxnSpPr>
+          <p:nvPr/>
+        </p:nvCxnSpPr>
+        <p:spPr>
+          <a:xfrm rot="5400000">
+            <a:off x="3140090" y="4595028"/>
+            <a:ext cx="1055238" cy="1797283"/>
+          </a:xfrm>
+          <a:prstGeom prst="bentConnector3">
+            <a:avLst/>
+          </a:prstGeom>
+        </p:spPr>
+        <p:style>
+          <a:lnRef idx="1">
+            <a:schemeClr val="accent1"/>
+          </a:lnRef>
+          <a:fillRef idx="0">
+            <a:schemeClr val="accent1"/>
+          </a:fillRef>
+          <a:effectRef idx="0">
+            <a:schemeClr val="accent1"/>
+          </a:effectRef>
+          <a:fontRef idx="minor">
+            <a:schemeClr val="tx1"/>
+          </a:fontRef>
+        </p:style>
+      </p:cxnSp>
+      <p:cxnSp>
+        <p:nvCxnSpPr>
+          <p:cNvPr id="34" name="꺾인 연결선 33"/>
+          <p:cNvCxnSpPr>
+            <a:stCxn id="10" idx="2"/>
+            <a:endCxn id="20" idx="0"/>
+          </p:cNvCxnSpPr>
+          <p:nvPr/>
+        </p:nvCxnSpPr>
+        <p:spPr>
+          <a:xfrm rot="16200000" flipH="1">
+            <a:off x="4040189" y="5492210"/>
+            <a:ext cx="1055238" cy="2917"/>
+          </a:xfrm>
+          <a:prstGeom prst="bentConnector3">
+            <a:avLst/>
+          </a:prstGeom>
+        </p:spPr>
+        <p:style>
+          <a:lnRef idx="1">
+            <a:schemeClr val="accent1"/>
+          </a:lnRef>
+          <a:fillRef idx="0">
+            <a:schemeClr val="accent1"/>
+          </a:fillRef>
+          <a:effectRef idx="0">
+            <a:schemeClr val="accent1"/>
+          </a:effectRef>
+          <a:fontRef idx="minor">
+            <a:schemeClr val="tx1"/>
+          </a:fontRef>
+        </p:style>
+      </p:cxnSp>
+      <p:cxnSp>
+        <p:nvCxnSpPr>
+          <p:cNvPr id="36" name="꺾인 연결선 35"/>
+          <p:cNvCxnSpPr>
+            <a:stCxn id="10" idx="2"/>
+            <a:endCxn id="22" idx="0"/>
+          </p:cNvCxnSpPr>
+          <p:nvPr/>
+        </p:nvCxnSpPr>
+        <p:spPr>
+          <a:xfrm rot="16200000" flipH="1">
+            <a:off x="4764372" y="4768028"/>
+            <a:ext cx="1055238" cy="1451282"/>
+          </a:xfrm>
+          <a:prstGeom prst="bentConnector3">
+            <a:avLst/>
+          </a:prstGeom>
+        </p:spPr>
+        <p:style>
+          <a:lnRef idx="1">
+            <a:schemeClr val="accent1"/>
+          </a:lnRef>
+          <a:fillRef idx="0">
+            <a:schemeClr val="accent1"/>
+          </a:fillRef>
+          <a:effectRef idx="0">
+            <a:schemeClr val="accent1"/>
+          </a:effectRef>
+          <a:fontRef idx="minor">
+            <a:schemeClr val="tx1"/>
+          </a:fontRef>
+        </p:style>
+      </p:cxnSp>
+      <p:sp>
+        <p:nvSpPr>
+          <p:cNvPr id="39" name="직사각형 38"/>
+          <p:cNvSpPr/>
+          <p:nvPr/>
+        </p:nvSpPr>
+        <p:spPr>
+          <a:xfrm>
+            <a:off x="1328907" y="2996952"/>
+            <a:ext cx="1440160" cy="504056"/>
+          </a:xfrm>
+          <a:prstGeom prst="rect">
+            <a:avLst/>
+          </a:prstGeom>
+          <a:noFill/>
+        </p:spPr>
+        <p:style>
+          <a:lnRef idx="2">
+            <a:schemeClr val="accent1">
+              <a:shade val="50000"/>
+            </a:schemeClr>
+          </a:lnRef>
+          <a:fillRef idx="1">
+            <a:schemeClr val="accent1"/>
+          </a:fillRef>
+          <a:effectRef idx="0">
+            <a:schemeClr val="accent1"/>
+          </a:effectRef>
+          <a:fontRef idx="minor">
+            <a:schemeClr val="lt1"/>
+          </a:fontRef>
+        </p:style>
+        <p:txBody>
+          <a:bodyPr rtlCol="0" anchor="ctr"/>
+          <a:lstStyle/>
+          <a:p>
+            <a:pPr algn="ctr"/>
+            <a:r>
+              <a:rPr lang="ko-KR" altLang="en-US" dirty="0" smtClean="0">
+                <a:solidFill>
+                  <a:schemeClr val="tx2"/>
+                </a:solidFill>
+              </a:rPr>
+              <a:t>커뮤니티</a:t>
+            </a:r>
+            <a:endParaRPr lang="en-US" altLang="ko-KR" dirty="0" smtClean="0">
+              <a:solidFill>
+                <a:schemeClr val="tx2"/>
+              </a:solidFill>
+            </a:endParaRPr>
+          </a:p>
+          <a:p>
+            <a:pPr algn="ctr"/>
+            <a:r>
+              <a:rPr lang="en-US" altLang="ko-KR" dirty="0" smtClean="0">
+                <a:solidFill>
+                  <a:schemeClr val="tx2"/>
+                </a:solidFill>
+              </a:rPr>
+              <a:t>(</a:t>
+            </a:r>
+            <a:r>
+              <a:rPr lang="ko-KR" altLang="en-US" dirty="0" smtClean="0">
+                <a:solidFill>
+                  <a:schemeClr val="tx2"/>
+                </a:solidFill>
+              </a:rPr>
+              <a:t>추가 예정</a:t>
+            </a:r>
+            <a:r>
+              <a:rPr lang="en-US" altLang="ko-KR" dirty="0" smtClean="0">
+                <a:solidFill>
+                  <a:schemeClr val="tx2"/>
+                </a:solidFill>
+              </a:rPr>
+              <a:t>)</a:t>
+            </a:r>
+            <a:endParaRPr lang="ko-KR" altLang="en-US" dirty="0">
+              <a:solidFill>
+                <a:schemeClr val="tx2"/>
+              </a:solidFill>
+            </a:endParaRPr>
+          </a:p>
+        </p:txBody>
+      </p:sp>
+      <p:cxnSp>
+        <p:nvCxnSpPr>
+          <p:cNvPr id="41" name="꺾인 연결선 40"/>
+          <p:cNvCxnSpPr>
+            <a:stCxn id="4" idx="2"/>
+            <a:endCxn id="39" idx="0"/>
+          </p:cNvCxnSpPr>
+          <p:nvPr/>
+        </p:nvCxnSpPr>
+        <p:spPr>
+          <a:xfrm rot="5400000">
+            <a:off x="2842442" y="1267394"/>
+            <a:ext cx="936104" cy="2523013"/>
+          </a:xfrm>
+          <a:prstGeom prst="bentConnector3">
+            <a:avLst/>
+          </a:prstGeom>
+          <a:ln>
+            <a:tailEnd type="arrow"/>
+          </a:ln>
+        </p:spPr>
+        <p:style>
+          <a:lnRef idx="1">
+            <a:schemeClr val="accent1"/>
+          </a:lnRef>
+          <a:fillRef idx="0">
+            <a:schemeClr val="accent1"/>
+          </a:fillRef>
+          <a:effectRef idx="0">
+            <a:schemeClr val="accent1"/>
+          </a:effectRef>
+          <a:fontRef idx="minor">
+            <a:schemeClr val="tx1"/>
+          </a:fontRef>
+        </p:style>
+      </p:cxnSp>
     </p:spTree>
     <p:extLst>
       <p:ext uri="{BB962C8B-B14F-4D97-AF65-F5344CB8AC3E}">
-        <p14:creationId xmlns:p14="http://schemas.microsoft.com/office/powerpoint/2010/main" val="1000379577"/>
+        <p14:creationId xmlns:p14="http://schemas.microsoft.com/office/powerpoint/2010/main" val="814381929"/>
+      </p:ext>
+    </p:extLst>
+  </p:cSld>
+  <p:clrMapOvr>
+    <a:masterClrMapping/>
+  </p:clrMapOvr>
+  <p:timing>
+    <p:tnLst>
+      <p:par>
+        <p:cTn id="1" dur="indefinite" restart="never" nodeType="tmRoot"/>
+      </p:par>
+    </p:tnLst>
+  </p:timing>
+</p:sld>
+</file>
+
+<file path=ppt/slides/slide3.xml><?xml version="1.0" encoding="utf-8"?>
+<p:sld xmlns:a="http://schemas.openxmlformats.org/drawingml/2006/main" xmlns:r="http://schemas.openxmlformats.org/officeDocument/2006/relationships" xmlns:p="http://schemas.openxmlformats.org/presentationml/2006/main">
+  <p:cSld>
+    <p:spTree>
+      <p:nvGrpSpPr>
+        <p:cNvPr id="1" name=""/>
+        <p:cNvGrpSpPr/>
+        <p:nvPr/>
+      </p:nvGrpSpPr>
+      <p:grpSpPr>
+        <a:xfrm>
+          <a:off x="0" y="0"/>
+          <a:ext cx="0" cy="0"/>
+          <a:chOff x="0" y="0"/>
+          <a:chExt cx="0" cy="0"/>
+        </a:xfrm>
+      </p:grpSpPr>
+      <p:sp>
+        <p:nvSpPr>
+          <p:cNvPr id="2" name="제목 1"/>
+          <p:cNvSpPr>
+            <a:spLocks noGrp="1"/>
+          </p:cNvSpPr>
+          <p:nvPr>
+            <p:ph type="title"/>
+          </p:nvPr>
+        </p:nvSpPr>
+        <p:spPr/>
+        <p:txBody>
+          <a:bodyPr/>
+          <a:lstStyle/>
+          <a:p>
+            <a:r>
+              <a:rPr lang="ko-KR" altLang="en-US" dirty="0" err="1" smtClean="0"/>
+              <a:t>메인화면</a:t>
+            </a:r>
+            <a:r>
+              <a:rPr lang="en-US" altLang="ko-KR" dirty="0" smtClean="0"/>
+              <a:t>(1)</a:t>
+            </a:r>
+            <a:endParaRPr lang="ko-KR" altLang="en-US" dirty="0"/>
+          </a:p>
+        </p:txBody>
+      </p:sp>
+      <p:sp>
+        <p:nvSpPr>
+          <p:cNvPr id="3" name="내용 개체 틀 2"/>
+          <p:cNvSpPr>
+            <a:spLocks noGrp="1"/>
+          </p:cNvSpPr>
+          <p:nvPr>
+            <p:ph idx="1"/>
+          </p:nvPr>
+        </p:nvSpPr>
+        <p:spPr/>
+        <p:txBody>
+          <a:bodyPr/>
+          <a:lstStyle/>
+          <a:p>
+            <a:r>
+              <a:rPr lang="en-US" altLang="ko-KR" dirty="0" smtClean="0"/>
+              <a:t>PC</a:t>
+            </a:r>
+            <a:endParaRPr lang="ko-KR" altLang="en-US" dirty="0"/>
+          </a:p>
+        </p:txBody>
+      </p:sp>
+      <p:sp>
+        <p:nvSpPr>
+          <p:cNvPr id="4" name="직사각형 3"/>
+          <p:cNvSpPr/>
+          <p:nvPr/>
+        </p:nvSpPr>
+        <p:spPr>
+          <a:xfrm>
+            <a:off x="1043608" y="2348880"/>
+            <a:ext cx="6984776" cy="4392488"/>
+          </a:xfrm>
+          <a:prstGeom prst="rect">
+            <a:avLst/>
+          </a:prstGeom>
+          <a:noFill/>
+        </p:spPr>
+        <p:style>
+          <a:lnRef idx="2">
+            <a:schemeClr val="accent1">
+              <a:shade val="50000"/>
+            </a:schemeClr>
+          </a:lnRef>
+          <a:fillRef idx="1">
+            <a:schemeClr val="accent1"/>
+          </a:fillRef>
+          <a:effectRef idx="0">
+            <a:schemeClr val="accent1"/>
+          </a:effectRef>
+          <a:fontRef idx="minor">
+            <a:schemeClr val="lt1"/>
+          </a:fontRef>
+        </p:style>
+        <p:txBody>
+          <a:bodyPr rtlCol="0" anchor="ctr"/>
+          <a:lstStyle/>
+          <a:p>
+            <a:pPr algn="ctr"/>
+            <a:endParaRPr lang="ko-KR" altLang="en-US"/>
+          </a:p>
+        </p:txBody>
+      </p:sp>
+      <p:sp>
+        <p:nvSpPr>
+          <p:cNvPr id="5" name="직사각형 4"/>
+          <p:cNvSpPr/>
+          <p:nvPr/>
+        </p:nvSpPr>
+        <p:spPr>
+          <a:xfrm>
+            <a:off x="1364459" y="2564904"/>
+            <a:ext cx="6336704" cy="432048"/>
+          </a:xfrm>
+          <a:prstGeom prst="rect">
+            <a:avLst/>
+          </a:prstGeom>
+          <a:noFill/>
+        </p:spPr>
+        <p:style>
+          <a:lnRef idx="2">
+            <a:schemeClr val="accent1">
+              <a:shade val="50000"/>
+            </a:schemeClr>
+          </a:lnRef>
+          <a:fillRef idx="1">
+            <a:schemeClr val="accent1"/>
+          </a:fillRef>
+          <a:effectRef idx="0">
+            <a:schemeClr val="accent1"/>
+          </a:effectRef>
+          <a:fontRef idx="minor">
+            <a:schemeClr val="lt1"/>
+          </a:fontRef>
+        </p:style>
+        <p:txBody>
+          <a:bodyPr rtlCol="0" anchor="ctr"/>
+          <a:lstStyle/>
+          <a:p>
+            <a:r>
+              <a:rPr lang="en-US" altLang="ko-KR" dirty="0" smtClean="0">
+                <a:solidFill>
+                  <a:schemeClr val="tx2"/>
+                </a:solidFill>
+              </a:rPr>
+              <a:t>	</a:t>
+            </a:r>
+            <a:r>
+              <a:rPr lang="ko-KR" altLang="en-US" dirty="0" smtClean="0">
+                <a:solidFill>
+                  <a:schemeClr val="tx2"/>
+                </a:solidFill>
+              </a:rPr>
+              <a:t>로고</a:t>
+            </a:r>
+            <a:endParaRPr lang="ko-KR" altLang="en-US" dirty="0">
+              <a:solidFill>
+                <a:schemeClr val="tx2"/>
+              </a:solidFill>
+            </a:endParaRPr>
+          </a:p>
+        </p:txBody>
+      </p:sp>
+      <p:sp>
+        <p:nvSpPr>
+          <p:cNvPr id="6" name="직사각형 5"/>
+          <p:cNvSpPr/>
+          <p:nvPr/>
+        </p:nvSpPr>
+        <p:spPr>
+          <a:xfrm>
+            <a:off x="5833475" y="2564904"/>
+            <a:ext cx="890269" cy="216024"/>
+          </a:xfrm>
+          <a:prstGeom prst="rect">
+            <a:avLst/>
+          </a:prstGeom>
+          <a:noFill/>
+        </p:spPr>
+        <p:style>
+          <a:lnRef idx="2">
+            <a:schemeClr val="accent1">
+              <a:shade val="50000"/>
+            </a:schemeClr>
+          </a:lnRef>
+          <a:fillRef idx="1">
+            <a:schemeClr val="accent1"/>
+          </a:fillRef>
+          <a:effectRef idx="0">
+            <a:schemeClr val="accent1"/>
+          </a:effectRef>
+          <a:fontRef idx="minor">
+            <a:schemeClr val="lt1"/>
+          </a:fontRef>
+        </p:style>
+        <p:txBody>
+          <a:bodyPr rtlCol="0" anchor="ctr"/>
+          <a:lstStyle/>
+          <a:p>
+            <a:pPr algn="ctr"/>
+            <a:r>
+              <a:rPr lang="ko-KR" altLang="en-US" sz="1400" dirty="0" smtClean="0">
+                <a:solidFill>
+                  <a:schemeClr val="tx2"/>
+                </a:solidFill>
+              </a:rPr>
+              <a:t>로그인</a:t>
+            </a:r>
+            <a:endParaRPr lang="ko-KR" altLang="en-US" sz="1400" dirty="0">
+              <a:solidFill>
+                <a:schemeClr val="tx2"/>
+              </a:solidFill>
+            </a:endParaRPr>
+          </a:p>
+        </p:txBody>
+      </p:sp>
+      <p:sp>
+        <p:nvSpPr>
+          <p:cNvPr id="7" name="직사각형 6"/>
+          <p:cNvSpPr/>
+          <p:nvPr/>
+        </p:nvSpPr>
+        <p:spPr>
+          <a:xfrm>
+            <a:off x="6723744" y="2564904"/>
+            <a:ext cx="977419" cy="216024"/>
+          </a:xfrm>
+          <a:prstGeom prst="rect">
+            <a:avLst/>
+          </a:prstGeom>
+          <a:noFill/>
+        </p:spPr>
+        <p:style>
+          <a:lnRef idx="2">
+            <a:schemeClr val="accent1">
+              <a:shade val="50000"/>
+            </a:schemeClr>
+          </a:lnRef>
+          <a:fillRef idx="1">
+            <a:schemeClr val="accent1"/>
+          </a:fillRef>
+          <a:effectRef idx="0">
+            <a:schemeClr val="accent1"/>
+          </a:effectRef>
+          <a:fontRef idx="minor">
+            <a:schemeClr val="lt1"/>
+          </a:fontRef>
+        </p:style>
+        <p:txBody>
+          <a:bodyPr rtlCol="0" anchor="ctr"/>
+          <a:lstStyle/>
+          <a:p>
+            <a:pPr algn="ctr"/>
+            <a:r>
+              <a:rPr lang="ko-KR" altLang="en-US" sz="1400" dirty="0" smtClean="0">
+                <a:solidFill>
+                  <a:schemeClr val="tx2"/>
+                </a:solidFill>
+              </a:rPr>
+              <a:t>회원가</a:t>
+            </a:r>
+            <a:r>
+              <a:rPr lang="ko-KR" altLang="en-US" sz="1400" dirty="0">
+                <a:solidFill>
+                  <a:schemeClr val="tx2"/>
+                </a:solidFill>
+              </a:rPr>
+              <a:t>입</a:t>
+            </a:r>
+            <a:endParaRPr lang="ko-KR" altLang="en-US" dirty="0">
+              <a:solidFill>
+                <a:schemeClr val="tx2"/>
+              </a:solidFill>
+            </a:endParaRPr>
+          </a:p>
+        </p:txBody>
+      </p:sp>
+      <p:sp>
+        <p:nvSpPr>
+          <p:cNvPr id="8" name="직사각형 7"/>
+          <p:cNvSpPr/>
+          <p:nvPr/>
+        </p:nvSpPr>
+        <p:spPr>
+          <a:xfrm>
+            <a:off x="1364459" y="2996952"/>
+            <a:ext cx="6336704" cy="354482"/>
+          </a:xfrm>
+          <a:prstGeom prst="rect">
+            <a:avLst/>
+          </a:prstGeom>
+          <a:solidFill>
+            <a:schemeClr val="tx2">
+              <a:lumMod val="20000"/>
+              <a:lumOff val="80000"/>
+            </a:schemeClr>
+          </a:solidFill>
+        </p:spPr>
+        <p:style>
+          <a:lnRef idx="2">
+            <a:schemeClr val="accent1">
+              <a:shade val="50000"/>
+            </a:schemeClr>
+          </a:lnRef>
+          <a:fillRef idx="1">
+            <a:schemeClr val="accent1"/>
+          </a:fillRef>
+          <a:effectRef idx="0">
+            <a:schemeClr val="accent1"/>
+          </a:effectRef>
+          <a:fontRef idx="minor">
+            <a:schemeClr val="lt1"/>
+          </a:fontRef>
+        </p:style>
+        <p:txBody>
+          <a:bodyPr rtlCol="0" anchor="ctr"/>
+          <a:lstStyle/>
+          <a:p>
+            <a:r>
+              <a:rPr lang="en-US" altLang="ko-KR" dirty="0" smtClean="0">
+                <a:solidFill>
+                  <a:schemeClr val="tx2"/>
+                </a:solidFill>
+              </a:rPr>
+              <a:t>	</a:t>
+            </a:r>
+            <a:r>
+              <a:rPr lang="ko-KR" altLang="en-US" dirty="0" err="1" smtClean="0">
+                <a:solidFill>
+                  <a:schemeClr val="tx2"/>
+                </a:solidFill>
+              </a:rPr>
+              <a:t>네비게이션</a:t>
+            </a:r>
+            <a:r>
+              <a:rPr lang="ko-KR" altLang="en-US" dirty="0" smtClean="0">
+                <a:solidFill>
+                  <a:schemeClr val="tx2"/>
+                </a:solidFill>
+              </a:rPr>
+              <a:t> 바</a:t>
+            </a:r>
+            <a:endParaRPr lang="ko-KR" altLang="en-US" dirty="0">
+              <a:solidFill>
+                <a:schemeClr val="tx2"/>
+              </a:solidFill>
+            </a:endParaRPr>
+          </a:p>
+        </p:txBody>
+      </p:sp>
+      <p:sp>
+        <p:nvSpPr>
+          <p:cNvPr id="9" name="직사각형 8"/>
+          <p:cNvSpPr/>
+          <p:nvPr/>
+        </p:nvSpPr>
+        <p:spPr>
+          <a:xfrm>
+            <a:off x="1364459" y="3351434"/>
+            <a:ext cx="6336704" cy="2885878"/>
+          </a:xfrm>
+          <a:prstGeom prst="rect">
+            <a:avLst/>
+          </a:prstGeom>
+          <a:noFill/>
+        </p:spPr>
+        <p:style>
+          <a:lnRef idx="2">
+            <a:schemeClr val="accent1">
+              <a:shade val="50000"/>
+            </a:schemeClr>
+          </a:lnRef>
+          <a:fillRef idx="1">
+            <a:schemeClr val="accent1"/>
+          </a:fillRef>
+          <a:effectRef idx="0">
+            <a:schemeClr val="accent1"/>
+          </a:effectRef>
+          <a:fontRef idx="minor">
+            <a:schemeClr val="lt1"/>
+          </a:fontRef>
+        </p:style>
+        <p:txBody>
+          <a:bodyPr rtlCol="0" anchor="ctr"/>
+          <a:lstStyle/>
+          <a:p>
+            <a:endParaRPr lang="ko-KR" altLang="en-US" dirty="0">
+              <a:solidFill>
+                <a:schemeClr val="tx2"/>
+              </a:solidFill>
+            </a:endParaRPr>
+          </a:p>
+        </p:txBody>
+      </p:sp>
+      <p:sp>
+        <p:nvSpPr>
+          <p:cNvPr id="10" name="모서리가 둥근 직사각형 9"/>
+          <p:cNvSpPr/>
+          <p:nvPr/>
+        </p:nvSpPr>
+        <p:spPr>
+          <a:xfrm>
+            <a:off x="1619672" y="3714253"/>
+            <a:ext cx="2592288" cy="2160240"/>
+          </a:xfrm>
+          <a:prstGeom prst="roundRect">
+            <a:avLst/>
+          </a:prstGeom>
+          <a:solidFill>
+            <a:schemeClr val="accent1">
+              <a:lumMod val="40000"/>
+              <a:lumOff val="60000"/>
+            </a:schemeClr>
+          </a:solidFill>
+        </p:spPr>
+        <p:style>
+          <a:lnRef idx="2">
+            <a:schemeClr val="accent1">
+              <a:shade val="50000"/>
+            </a:schemeClr>
+          </a:lnRef>
+          <a:fillRef idx="1">
+            <a:schemeClr val="accent1"/>
+          </a:fillRef>
+          <a:effectRef idx="0">
+            <a:schemeClr val="accent1"/>
+          </a:effectRef>
+          <a:fontRef idx="minor">
+            <a:schemeClr val="lt1"/>
+          </a:fontRef>
+        </p:style>
+        <p:txBody>
+          <a:bodyPr rtlCol="0" anchor="ctr"/>
+          <a:lstStyle/>
+          <a:p>
+            <a:pPr algn="ctr"/>
+            <a:r>
+              <a:rPr lang="ko-KR" altLang="en-US" dirty="0" err="1" smtClean="0">
+                <a:solidFill>
+                  <a:schemeClr val="tx2"/>
+                </a:solidFill>
+              </a:rPr>
+              <a:t>타투</a:t>
+            </a:r>
+            <a:r>
+              <a:rPr lang="ko-KR" altLang="en-US" dirty="0" smtClean="0">
+                <a:solidFill>
+                  <a:schemeClr val="tx2"/>
+                </a:solidFill>
+              </a:rPr>
+              <a:t> 이미지</a:t>
+            </a:r>
+            <a:endParaRPr lang="ko-KR" altLang="en-US" dirty="0">
+              <a:solidFill>
+                <a:schemeClr val="tx2"/>
+              </a:solidFill>
+            </a:endParaRPr>
+          </a:p>
+        </p:txBody>
+      </p:sp>
+      <p:sp>
+        <p:nvSpPr>
+          <p:cNvPr id="11" name="타원 10"/>
+          <p:cNvSpPr/>
+          <p:nvPr/>
+        </p:nvSpPr>
+        <p:spPr>
+          <a:xfrm>
+            <a:off x="4644007" y="3823709"/>
+            <a:ext cx="757419" cy="757419"/>
+          </a:xfrm>
+          <a:prstGeom prst="ellipse">
+            <a:avLst/>
+          </a:prstGeom>
+          <a:noFill/>
+        </p:spPr>
+        <p:style>
+          <a:lnRef idx="2">
+            <a:schemeClr val="accent1">
+              <a:shade val="50000"/>
+            </a:schemeClr>
+          </a:lnRef>
+          <a:fillRef idx="1">
+            <a:schemeClr val="accent1"/>
+          </a:fillRef>
+          <a:effectRef idx="0">
+            <a:schemeClr val="accent1"/>
+          </a:effectRef>
+          <a:fontRef idx="minor">
+            <a:schemeClr val="lt1"/>
+          </a:fontRef>
+        </p:style>
+        <p:txBody>
+          <a:bodyPr rtlCol="0" anchor="ctr"/>
+          <a:lstStyle/>
+          <a:p>
+            <a:pPr algn="ctr"/>
+            <a:endParaRPr lang="ko-KR" altLang="en-US"/>
+          </a:p>
+        </p:txBody>
+      </p:sp>
+      <p:sp>
+        <p:nvSpPr>
+          <p:cNvPr id="12" name="타원 11"/>
+          <p:cNvSpPr/>
+          <p:nvPr/>
+        </p:nvSpPr>
+        <p:spPr>
+          <a:xfrm>
+            <a:off x="5652120" y="3823709"/>
+            <a:ext cx="757419" cy="757419"/>
+          </a:xfrm>
+          <a:prstGeom prst="ellipse">
+            <a:avLst/>
+          </a:prstGeom>
+          <a:noFill/>
+        </p:spPr>
+        <p:style>
+          <a:lnRef idx="2">
+            <a:schemeClr val="accent1">
+              <a:shade val="50000"/>
+            </a:schemeClr>
+          </a:lnRef>
+          <a:fillRef idx="1">
+            <a:schemeClr val="accent1"/>
+          </a:fillRef>
+          <a:effectRef idx="0">
+            <a:schemeClr val="accent1"/>
+          </a:effectRef>
+          <a:fontRef idx="minor">
+            <a:schemeClr val="lt1"/>
+          </a:fontRef>
+        </p:style>
+        <p:txBody>
+          <a:bodyPr rtlCol="0" anchor="ctr"/>
+          <a:lstStyle/>
+          <a:p>
+            <a:pPr algn="ctr"/>
+            <a:endParaRPr lang="ko-KR" altLang="en-US"/>
+          </a:p>
+        </p:txBody>
+      </p:sp>
+      <p:sp>
+        <p:nvSpPr>
+          <p:cNvPr id="13" name="타원 12"/>
+          <p:cNvSpPr/>
+          <p:nvPr/>
+        </p:nvSpPr>
+        <p:spPr>
+          <a:xfrm>
+            <a:off x="6680344" y="3823709"/>
+            <a:ext cx="757419" cy="757419"/>
+          </a:xfrm>
+          <a:prstGeom prst="ellipse">
+            <a:avLst/>
+          </a:prstGeom>
+          <a:noFill/>
+        </p:spPr>
+        <p:style>
+          <a:lnRef idx="2">
+            <a:schemeClr val="accent1">
+              <a:shade val="50000"/>
+            </a:schemeClr>
+          </a:lnRef>
+          <a:fillRef idx="1">
+            <a:schemeClr val="accent1"/>
+          </a:fillRef>
+          <a:effectRef idx="0">
+            <a:schemeClr val="accent1"/>
+          </a:effectRef>
+          <a:fontRef idx="minor">
+            <a:schemeClr val="lt1"/>
+          </a:fontRef>
+        </p:style>
+        <p:txBody>
+          <a:bodyPr rtlCol="0" anchor="ctr"/>
+          <a:lstStyle/>
+          <a:p>
+            <a:pPr algn="ctr"/>
+            <a:endParaRPr lang="ko-KR" altLang="en-US"/>
+          </a:p>
+        </p:txBody>
+      </p:sp>
+      <p:sp>
+        <p:nvSpPr>
+          <p:cNvPr id="14" name="타원 13"/>
+          <p:cNvSpPr/>
+          <p:nvPr/>
+        </p:nvSpPr>
+        <p:spPr>
+          <a:xfrm>
+            <a:off x="6680343" y="5013176"/>
+            <a:ext cx="757419" cy="757419"/>
+          </a:xfrm>
+          <a:prstGeom prst="ellipse">
+            <a:avLst/>
+          </a:prstGeom>
+          <a:noFill/>
+        </p:spPr>
+        <p:style>
+          <a:lnRef idx="2">
+            <a:schemeClr val="accent1">
+              <a:shade val="50000"/>
+            </a:schemeClr>
+          </a:lnRef>
+          <a:fillRef idx="1">
+            <a:schemeClr val="accent1"/>
+          </a:fillRef>
+          <a:effectRef idx="0">
+            <a:schemeClr val="accent1"/>
+          </a:effectRef>
+          <a:fontRef idx="minor">
+            <a:schemeClr val="lt1"/>
+          </a:fontRef>
+        </p:style>
+        <p:txBody>
+          <a:bodyPr rtlCol="0" anchor="ctr"/>
+          <a:lstStyle/>
+          <a:p>
+            <a:pPr algn="ctr"/>
+            <a:endParaRPr lang="ko-KR" altLang="en-US"/>
+          </a:p>
+        </p:txBody>
+      </p:sp>
+      <p:sp>
+        <p:nvSpPr>
+          <p:cNvPr id="15" name="타원 14"/>
+          <p:cNvSpPr/>
+          <p:nvPr/>
+        </p:nvSpPr>
+        <p:spPr>
+          <a:xfrm>
+            <a:off x="5652120" y="5013176"/>
+            <a:ext cx="757419" cy="757419"/>
+          </a:xfrm>
+          <a:prstGeom prst="ellipse">
+            <a:avLst/>
+          </a:prstGeom>
+          <a:noFill/>
+        </p:spPr>
+        <p:style>
+          <a:lnRef idx="2">
+            <a:schemeClr val="accent1">
+              <a:shade val="50000"/>
+            </a:schemeClr>
+          </a:lnRef>
+          <a:fillRef idx="1">
+            <a:schemeClr val="accent1"/>
+          </a:fillRef>
+          <a:effectRef idx="0">
+            <a:schemeClr val="accent1"/>
+          </a:effectRef>
+          <a:fontRef idx="minor">
+            <a:schemeClr val="lt1"/>
+          </a:fontRef>
+        </p:style>
+        <p:txBody>
+          <a:bodyPr rtlCol="0" anchor="ctr"/>
+          <a:lstStyle/>
+          <a:p>
+            <a:pPr algn="ctr"/>
+            <a:endParaRPr lang="ko-KR" altLang="en-US"/>
+          </a:p>
+        </p:txBody>
+      </p:sp>
+      <p:sp>
+        <p:nvSpPr>
+          <p:cNvPr id="16" name="타원 15"/>
+          <p:cNvSpPr/>
+          <p:nvPr/>
+        </p:nvSpPr>
+        <p:spPr>
+          <a:xfrm>
+            <a:off x="4644007" y="5013176"/>
+            <a:ext cx="757419" cy="757419"/>
+          </a:xfrm>
+          <a:prstGeom prst="ellipse">
+            <a:avLst/>
+          </a:prstGeom>
+          <a:noFill/>
+        </p:spPr>
+        <p:style>
+          <a:lnRef idx="2">
+            <a:schemeClr val="accent1">
+              <a:shade val="50000"/>
+            </a:schemeClr>
+          </a:lnRef>
+          <a:fillRef idx="1">
+            <a:schemeClr val="accent1"/>
+          </a:fillRef>
+          <a:effectRef idx="0">
+            <a:schemeClr val="accent1"/>
+          </a:effectRef>
+          <a:fontRef idx="minor">
+            <a:schemeClr val="lt1"/>
+          </a:fontRef>
+        </p:style>
+        <p:txBody>
+          <a:bodyPr rtlCol="0" anchor="ctr"/>
+          <a:lstStyle/>
+          <a:p>
+            <a:pPr algn="ctr"/>
+            <a:endParaRPr lang="ko-KR" altLang="en-US"/>
+          </a:p>
+        </p:txBody>
+      </p:sp>
+      <p:sp>
+        <p:nvSpPr>
+          <p:cNvPr id="17" name="직사각형 16"/>
+          <p:cNvSpPr/>
+          <p:nvPr/>
+        </p:nvSpPr>
+        <p:spPr>
+          <a:xfrm>
+            <a:off x="1364459" y="6237312"/>
+            <a:ext cx="6336704" cy="354482"/>
+          </a:xfrm>
+          <a:prstGeom prst="rect">
+            <a:avLst/>
+          </a:prstGeom>
+          <a:solidFill>
+            <a:schemeClr val="tx2">
+              <a:lumMod val="20000"/>
+              <a:lumOff val="80000"/>
+            </a:schemeClr>
+          </a:solidFill>
+        </p:spPr>
+        <p:style>
+          <a:lnRef idx="2">
+            <a:schemeClr val="accent1">
+              <a:shade val="50000"/>
+            </a:schemeClr>
+          </a:lnRef>
+          <a:fillRef idx="1">
+            <a:schemeClr val="accent1"/>
+          </a:fillRef>
+          <a:effectRef idx="0">
+            <a:schemeClr val="accent1"/>
+          </a:effectRef>
+          <a:fontRef idx="minor">
+            <a:schemeClr val="lt1"/>
+          </a:fontRef>
+        </p:style>
+        <p:txBody>
+          <a:bodyPr rtlCol="0" anchor="ctr"/>
+          <a:lstStyle/>
+          <a:p>
+            <a:r>
+              <a:rPr lang="en-US" altLang="ko-KR" dirty="0" smtClean="0">
+                <a:solidFill>
+                  <a:schemeClr val="tx2"/>
+                </a:solidFill>
+              </a:rPr>
+              <a:t>	</a:t>
+            </a:r>
+            <a:endParaRPr lang="ko-KR" altLang="en-US" dirty="0">
+              <a:solidFill>
+                <a:schemeClr val="tx2"/>
+              </a:solidFill>
+            </a:endParaRPr>
+          </a:p>
+        </p:txBody>
+      </p:sp>
+      <p:sp>
+        <p:nvSpPr>
+          <p:cNvPr id="18" name="모서리가 둥근 직사각형 17"/>
+          <p:cNvSpPr/>
+          <p:nvPr/>
+        </p:nvSpPr>
+        <p:spPr>
+          <a:xfrm>
+            <a:off x="4555151" y="3714253"/>
+            <a:ext cx="3012949" cy="2165798"/>
+          </a:xfrm>
+          <a:prstGeom prst="roundRect">
+            <a:avLst/>
+          </a:prstGeom>
+          <a:noFill/>
+          <a:ln>
+            <a:prstDash val="dash"/>
+          </a:ln>
+        </p:spPr>
+        <p:style>
+          <a:lnRef idx="2">
+            <a:schemeClr val="accent1">
+              <a:shade val="50000"/>
+            </a:schemeClr>
+          </a:lnRef>
+          <a:fillRef idx="1">
+            <a:schemeClr val="accent1"/>
+          </a:fillRef>
+          <a:effectRef idx="0">
+            <a:schemeClr val="accent1"/>
+          </a:effectRef>
+          <a:fontRef idx="minor">
+            <a:schemeClr val="lt1"/>
+          </a:fontRef>
+        </p:style>
+        <p:txBody>
+          <a:bodyPr rtlCol="0" anchor="ctr"/>
+          <a:lstStyle/>
+          <a:p>
+            <a:pPr algn="ctr"/>
+            <a:endParaRPr lang="ko-KR" altLang="en-US"/>
+          </a:p>
+        </p:txBody>
+      </p:sp>
+      <p:sp>
+        <p:nvSpPr>
+          <p:cNvPr id="21" name="TextBox 20"/>
+          <p:cNvSpPr txBox="1"/>
+          <p:nvPr/>
+        </p:nvSpPr>
+        <p:spPr>
+          <a:xfrm>
+            <a:off x="3645176" y="1496245"/>
+            <a:ext cx="3512500" cy="369332"/>
+          </a:xfrm>
+          <a:prstGeom prst="rect">
+            <a:avLst/>
+          </a:prstGeom>
+          <a:noFill/>
+          <a:ln>
+            <a:solidFill>
+              <a:srgbClr val="FF0000"/>
+            </a:solidFill>
+          </a:ln>
+        </p:spPr>
+        <p:txBody>
+          <a:bodyPr wrap="none" rtlCol="0">
+            <a:spAutoFit/>
+          </a:bodyPr>
+          <a:lstStyle/>
+          <a:p>
+            <a:r>
+              <a:rPr lang="ko-KR" altLang="en-US" dirty="0" smtClean="0"/>
+              <a:t>메인 메뉴를 관리할 테이블 필요</a:t>
+            </a:r>
+            <a:endParaRPr lang="ko-KR" altLang="en-US" dirty="0"/>
+          </a:p>
+        </p:txBody>
+      </p:sp>
+      <p:cxnSp>
+        <p:nvCxnSpPr>
+          <p:cNvPr id="23" name="직선 화살표 연결선 22"/>
+          <p:cNvCxnSpPr>
+            <a:stCxn id="21" idx="2"/>
+            <a:endCxn id="8" idx="0"/>
+          </p:cNvCxnSpPr>
+          <p:nvPr/>
+        </p:nvCxnSpPr>
+        <p:spPr>
+          <a:xfrm flipH="1">
+            <a:off x="4532811" y="1865577"/>
+            <a:ext cx="868615" cy="1131375"/>
+          </a:xfrm>
+          <a:prstGeom prst="straightConnector1">
+            <a:avLst/>
+          </a:prstGeom>
+          <a:ln>
+            <a:solidFill>
+              <a:srgbClr val="FF0000"/>
+            </a:solidFill>
+            <a:tailEnd type="arrow"/>
+          </a:ln>
+        </p:spPr>
+        <p:style>
+          <a:lnRef idx="1">
+            <a:schemeClr val="accent1"/>
+          </a:lnRef>
+          <a:fillRef idx="0">
+            <a:schemeClr val="accent1"/>
+          </a:fillRef>
+          <a:effectRef idx="0">
+            <a:schemeClr val="accent1"/>
+          </a:effectRef>
+          <a:fontRef idx="minor">
+            <a:schemeClr val="tx1"/>
+          </a:fontRef>
+        </p:style>
+      </p:cxnSp>
+      <p:sp>
+        <p:nvSpPr>
+          <p:cNvPr id="25" name="TextBox 24"/>
+          <p:cNvSpPr txBox="1"/>
+          <p:nvPr/>
+        </p:nvSpPr>
+        <p:spPr>
+          <a:xfrm>
+            <a:off x="6184053" y="1988616"/>
+            <a:ext cx="2507418" cy="369332"/>
+          </a:xfrm>
+          <a:prstGeom prst="rect">
+            <a:avLst/>
+          </a:prstGeom>
+          <a:noFill/>
+          <a:ln>
+            <a:solidFill>
+              <a:srgbClr val="FF0000"/>
+            </a:solidFill>
+          </a:ln>
+        </p:spPr>
+        <p:txBody>
+          <a:bodyPr wrap="none" rtlCol="0">
+            <a:spAutoFit/>
+          </a:bodyPr>
+          <a:lstStyle/>
+          <a:p>
+            <a:r>
+              <a:rPr lang="ko-KR" altLang="en-US" dirty="0" err="1" smtClean="0"/>
+              <a:t>타투</a:t>
+            </a:r>
+            <a:r>
+              <a:rPr lang="ko-KR" altLang="en-US" dirty="0" smtClean="0"/>
+              <a:t> 종류 테이블 필요</a:t>
+            </a:r>
+            <a:endParaRPr lang="ko-KR" altLang="en-US" dirty="0"/>
+          </a:p>
+        </p:txBody>
+      </p:sp>
+      <p:cxnSp>
+        <p:nvCxnSpPr>
+          <p:cNvPr id="26" name="직선 화살표 연결선 25"/>
+          <p:cNvCxnSpPr>
+            <a:stCxn id="25" idx="2"/>
+            <a:endCxn id="18" idx="0"/>
+          </p:cNvCxnSpPr>
+          <p:nvPr/>
+        </p:nvCxnSpPr>
+        <p:spPr>
+          <a:xfrm flipH="1">
+            <a:off x="6061626" y="2357948"/>
+            <a:ext cx="1376136" cy="1356305"/>
+          </a:xfrm>
+          <a:prstGeom prst="straightConnector1">
+            <a:avLst/>
+          </a:prstGeom>
+          <a:ln>
+            <a:solidFill>
+              <a:srgbClr val="FF0000"/>
+            </a:solidFill>
+            <a:tailEnd type="arrow"/>
+          </a:ln>
+        </p:spPr>
+        <p:style>
+          <a:lnRef idx="1">
+            <a:schemeClr val="accent1"/>
+          </a:lnRef>
+          <a:fillRef idx="0">
+            <a:schemeClr val="accent1"/>
+          </a:fillRef>
+          <a:effectRef idx="0">
+            <a:schemeClr val="accent1"/>
+          </a:effectRef>
+          <a:fontRef idx="minor">
+            <a:schemeClr val="tx1"/>
+          </a:fontRef>
+        </p:style>
+      </p:cxnSp>
+    </p:spTree>
+    <p:extLst>
+      <p:ext uri="{BB962C8B-B14F-4D97-AF65-F5344CB8AC3E}">
+        <p14:creationId xmlns:p14="http://schemas.microsoft.com/office/powerpoint/2010/main" val="255588283"/>
+      </p:ext>
+    </p:extLst>
+  </p:cSld>
+  <p:clrMapOvr>
+    <a:masterClrMapping/>
+  </p:clrMapOvr>
+</p:sld>
+</file>
+
+<file path=ppt/slides/slide4.xml><?xml version="1.0" encoding="utf-8"?>
+<p:sld xmlns:a="http://schemas.openxmlformats.org/drawingml/2006/main" xmlns:r="http://schemas.openxmlformats.org/officeDocument/2006/relationships" xmlns:p="http://schemas.openxmlformats.org/presentationml/2006/main">
+  <p:cSld>
+    <p:spTree>
+      <p:nvGrpSpPr>
+        <p:cNvPr id="1" name=""/>
+        <p:cNvGrpSpPr/>
+        <p:nvPr/>
+      </p:nvGrpSpPr>
+      <p:grpSpPr>
+        <a:xfrm>
+          <a:off x="0" y="0"/>
+          <a:ext cx="0" cy="0"/>
+          <a:chOff x="0" y="0"/>
+          <a:chExt cx="0" cy="0"/>
+        </a:xfrm>
+      </p:grpSpPr>
+      <p:sp>
+        <p:nvSpPr>
+          <p:cNvPr id="2" name="제목 1"/>
+          <p:cNvSpPr>
+            <a:spLocks noGrp="1"/>
+          </p:cNvSpPr>
+          <p:nvPr>
+            <p:ph type="title"/>
+          </p:nvPr>
+        </p:nvSpPr>
+        <p:spPr/>
+        <p:txBody>
+          <a:bodyPr/>
+          <a:lstStyle/>
+          <a:p>
+            <a:r>
+              <a:rPr lang="ko-KR" altLang="en-US" dirty="0" err="1" smtClean="0"/>
+              <a:t>메인화면</a:t>
+            </a:r>
+            <a:r>
+              <a:rPr lang="en-US" altLang="ko-KR" dirty="0" smtClean="0"/>
+              <a:t>(2)</a:t>
+            </a:r>
+            <a:endParaRPr lang="ko-KR" altLang="en-US" dirty="0"/>
+          </a:p>
+        </p:txBody>
+      </p:sp>
+      <p:sp>
+        <p:nvSpPr>
+          <p:cNvPr id="3" name="내용 개체 틀 2"/>
+          <p:cNvSpPr>
+            <a:spLocks noGrp="1"/>
+          </p:cNvSpPr>
+          <p:nvPr>
+            <p:ph idx="1"/>
+          </p:nvPr>
+        </p:nvSpPr>
+        <p:spPr/>
+        <p:txBody>
+          <a:bodyPr/>
+          <a:lstStyle/>
+          <a:p>
+            <a:r>
+              <a:rPr lang="ko-KR" altLang="en-US" dirty="0" err="1" smtClean="0"/>
+              <a:t>네비게이션</a:t>
+            </a:r>
+            <a:r>
+              <a:rPr lang="ko-KR" altLang="en-US" dirty="0" smtClean="0"/>
+              <a:t> 바</a:t>
+            </a:r>
+            <a:endParaRPr lang="en-US" altLang="ko-KR" dirty="0" smtClean="0"/>
+          </a:p>
+          <a:p>
+            <a:endParaRPr lang="en-US" altLang="ko-KR" dirty="0"/>
+          </a:p>
+          <a:p>
+            <a:endParaRPr lang="en-US" altLang="ko-KR" dirty="0" smtClean="0"/>
+          </a:p>
+          <a:p>
+            <a:pPr lvl="1"/>
+            <a:r>
+              <a:rPr lang="ko-KR" altLang="en-US" dirty="0" smtClean="0"/>
+              <a:t>현재는 </a:t>
+            </a:r>
+            <a:r>
+              <a:rPr lang="ko-KR" altLang="en-US" dirty="0" err="1" smtClean="0"/>
+              <a:t>샵</a:t>
+            </a:r>
+            <a:r>
+              <a:rPr lang="ko-KR" altLang="en-US" dirty="0" smtClean="0"/>
+              <a:t> 찾기 기능 뿐</a:t>
+            </a:r>
+            <a:endParaRPr lang="en-US" altLang="ko-KR" dirty="0" smtClean="0"/>
+          </a:p>
+          <a:p>
+            <a:pPr lvl="1"/>
+            <a:r>
+              <a:rPr lang="ko-KR" altLang="en-US" dirty="0" smtClean="0"/>
+              <a:t>추후 게시판 등이 추가될 예정</a:t>
+            </a:r>
+            <a:endParaRPr lang="en-US" altLang="ko-KR" dirty="0" smtClean="0"/>
+          </a:p>
+          <a:p>
+            <a:pPr lvl="1"/>
+            <a:r>
+              <a:rPr lang="ko-KR" altLang="en-US" dirty="0" smtClean="0"/>
+              <a:t>코드 수정 없이 추가할 수 있도록 </a:t>
+            </a:r>
+            <a:r>
+              <a:rPr lang="en-US" altLang="ko-KR" dirty="0" smtClean="0"/>
+              <a:t>DB </a:t>
+            </a:r>
+            <a:r>
+              <a:rPr lang="ko-KR" altLang="en-US" dirty="0" smtClean="0"/>
+              <a:t>사용</a:t>
+            </a:r>
+            <a:endParaRPr lang="ko-KR" altLang="en-US" dirty="0"/>
+          </a:p>
+        </p:txBody>
+      </p:sp>
+      <p:sp>
+        <p:nvSpPr>
+          <p:cNvPr id="4" name="직사각형 3"/>
+          <p:cNvSpPr/>
+          <p:nvPr/>
+        </p:nvSpPr>
+        <p:spPr>
+          <a:xfrm>
+            <a:off x="1919343" y="2569531"/>
+            <a:ext cx="6336704" cy="354482"/>
+          </a:xfrm>
+          <a:prstGeom prst="rect">
+            <a:avLst/>
+          </a:prstGeom>
+          <a:solidFill>
+            <a:schemeClr val="tx2">
+              <a:lumMod val="20000"/>
+              <a:lumOff val="80000"/>
+            </a:schemeClr>
+          </a:solidFill>
+        </p:spPr>
+        <p:style>
+          <a:lnRef idx="2">
+            <a:schemeClr val="accent1">
+              <a:shade val="50000"/>
+            </a:schemeClr>
+          </a:lnRef>
+          <a:fillRef idx="1">
+            <a:schemeClr val="accent1"/>
+          </a:fillRef>
+          <a:effectRef idx="0">
+            <a:schemeClr val="accent1"/>
+          </a:effectRef>
+          <a:fontRef idx="minor">
+            <a:schemeClr val="lt1"/>
+          </a:fontRef>
+        </p:style>
+        <p:txBody>
+          <a:bodyPr rtlCol="0" anchor="ctr"/>
+          <a:lstStyle/>
+          <a:p>
+            <a:r>
+              <a:rPr lang="en-US" altLang="ko-KR" dirty="0" smtClean="0">
+                <a:solidFill>
+                  <a:schemeClr val="tx2"/>
+                </a:solidFill>
+              </a:rPr>
+              <a:t>	</a:t>
+            </a:r>
+            <a:r>
+              <a:rPr lang="ko-KR" altLang="en-US" dirty="0" err="1" smtClean="0">
+                <a:solidFill>
+                  <a:schemeClr val="tx2"/>
+                </a:solidFill>
+              </a:rPr>
+              <a:t>네비게이션</a:t>
+            </a:r>
+            <a:r>
+              <a:rPr lang="ko-KR" altLang="en-US" dirty="0" smtClean="0">
+                <a:solidFill>
+                  <a:schemeClr val="tx2"/>
+                </a:solidFill>
+              </a:rPr>
+              <a:t> 바</a:t>
+            </a:r>
+            <a:endParaRPr lang="ko-KR" altLang="en-US" dirty="0">
+              <a:solidFill>
+                <a:schemeClr val="tx2"/>
+              </a:solidFill>
+            </a:endParaRPr>
+          </a:p>
+        </p:txBody>
+      </p:sp>
+      <p:sp>
+        <p:nvSpPr>
+          <p:cNvPr id="5" name="TextBox 4"/>
+          <p:cNvSpPr txBox="1"/>
+          <p:nvPr/>
+        </p:nvSpPr>
+        <p:spPr>
+          <a:xfrm>
+            <a:off x="4716016" y="1680911"/>
+            <a:ext cx="3512500" cy="369332"/>
+          </a:xfrm>
+          <a:prstGeom prst="rect">
+            <a:avLst/>
+          </a:prstGeom>
+          <a:noFill/>
+          <a:ln>
+            <a:solidFill>
+              <a:srgbClr val="FF0000"/>
+            </a:solidFill>
+          </a:ln>
+        </p:spPr>
+        <p:txBody>
+          <a:bodyPr wrap="none" rtlCol="0">
+            <a:spAutoFit/>
+          </a:bodyPr>
+          <a:lstStyle/>
+          <a:p>
+            <a:r>
+              <a:rPr lang="ko-KR" altLang="en-US" dirty="0" smtClean="0"/>
+              <a:t>메인 메뉴를 관리할 테이블 필요</a:t>
+            </a:r>
+            <a:endParaRPr lang="ko-KR" altLang="en-US" dirty="0"/>
+          </a:p>
+        </p:txBody>
+      </p:sp>
+      <p:cxnSp>
+        <p:nvCxnSpPr>
+          <p:cNvPr id="6" name="직선 화살표 연결선 5"/>
+          <p:cNvCxnSpPr>
+            <a:stCxn id="5" idx="2"/>
+            <a:endCxn id="4" idx="0"/>
+          </p:cNvCxnSpPr>
+          <p:nvPr/>
+        </p:nvCxnSpPr>
+        <p:spPr>
+          <a:xfrm flipH="1">
+            <a:off x="5087695" y="2050243"/>
+            <a:ext cx="1384571" cy="519288"/>
+          </a:xfrm>
+          <a:prstGeom prst="straightConnector1">
+            <a:avLst/>
+          </a:prstGeom>
+          <a:ln>
+            <a:solidFill>
+              <a:srgbClr val="FF0000"/>
+            </a:solidFill>
+            <a:tailEnd type="arrow"/>
+          </a:ln>
+        </p:spPr>
+        <p:style>
+          <a:lnRef idx="1">
+            <a:schemeClr val="accent1"/>
+          </a:lnRef>
+          <a:fillRef idx="0">
+            <a:schemeClr val="accent1"/>
+          </a:fillRef>
+          <a:effectRef idx="0">
+            <a:schemeClr val="accent1"/>
+          </a:effectRef>
+          <a:fontRef idx="minor">
+            <a:schemeClr val="tx1"/>
+          </a:fontRef>
+        </p:style>
+      </p:cxnSp>
+    </p:spTree>
+    <p:extLst>
+      <p:ext uri="{BB962C8B-B14F-4D97-AF65-F5344CB8AC3E}">
+        <p14:creationId xmlns:p14="http://schemas.microsoft.com/office/powerpoint/2010/main" val="98397472"/>
+      </p:ext>
+    </p:extLst>
+  </p:cSld>
+  <p:clrMapOvr>
+    <a:masterClrMapping/>
+  </p:clrMapOvr>
+</p:sld>
+</file>
+
+<file path=ppt/slides/slide5.xml><?xml version="1.0" encoding="utf-8"?>
+<p:sld xmlns:a="http://schemas.openxmlformats.org/drawingml/2006/main" xmlns:r="http://schemas.openxmlformats.org/officeDocument/2006/relationships" xmlns:p="http://schemas.openxmlformats.org/presentationml/2006/main">
+  <p:cSld>
+    <p:spTree>
+      <p:nvGrpSpPr>
+        <p:cNvPr id="1" name=""/>
+        <p:cNvGrpSpPr/>
+        <p:nvPr/>
+      </p:nvGrpSpPr>
+      <p:grpSpPr>
+        <a:xfrm>
+          <a:off x="0" y="0"/>
+          <a:ext cx="0" cy="0"/>
+          <a:chOff x="0" y="0"/>
+          <a:chExt cx="0" cy="0"/>
+        </a:xfrm>
+      </p:grpSpPr>
+      <p:sp>
+        <p:nvSpPr>
+          <p:cNvPr id="2" name="제목 1"/>
+          <p:cNvSpPr>
+            <a:spLocks noGrp="1"/>
+          </p:cNvSpPr>
+          <p:nvPr>
+            <p:ph type="title"/>
+          </p:nvPr>
+        </p:nvSpPr>
+        <p:spPr/>
+        <p:txBody>
+          <a:bodyPr/>
+          <a:lstStyle/>
+          <a:p>
+            <a:r>
+              <a:rPr lang="ko-KR" altLang="en-US" dirty="0" err="1" smtClean="0"/>
+              <a:t>메인화면</a:t>
+            </a:r>
+            <a:r>
+              <a:rPr lang="en-US" altLang="ko-KR" dirty="0" smtClean="0"/>
+              <a:t>(3)</a:t>
+            </a:r>
+            <a:endParaRPr lang="ko-KR" altLang="en-US" dirty="0"/>
+          </a:p>
+        </p:txBody>
+      </p:sp>
+      <p:sp>
+        <p:nvSpPr>
+          <p:cNvPr id="3" name="내용 개체 틀 2"/>
+          <p:cNvSpPr>
+            <a:spLocks noGrp="1"/>
+          </p:cNvSpPr>
+          <p:nvPr>
+            <p:ph idx="1"/>
+          </p:nvPr>
+        </p:nvSpPr>
+        <p:spPr/>
+        <p:txBody>
+          <a:bodyPr/>
+          <a:lstStyle/>
+          <a:p>
+            <a:r>
+              <a:rPr lang="ko-KR" altLang="en-US" dirty="0" err="1" smtClean="0"/>
+              <a:t>네비게이션</a:t>
+            </a:r>
+            <a:r>
+              <a:rPr lang="ko-KR" altLang="en-US" dirty="0" smtClean="0"/>
+              <a:t> 바</a:t>
+            </a:r>
+            <a:endParaRPr lang="en-US" altLang="ko-KR" dirty="0" smtClean="0"/>
+          </a:p>
+          <a:p>
+            <a:pPr lvl="1"/>
+            <a:r>
+              <a:rPr lang="en-US" altLang="ko-KR" dirty="0" smtClean="0"/>
+              <a:t>MMENU_TB</a:t>
+            </a:r>
+          </a:p>
+          <a:p>
+            <a:pPr lvl="1"/>
+            <a:r>
+              <a:rPr lang="ko-KR" altLang="en-US" dirty="0" err="1" smtClean="0"/>
+              <a:t>컬럼</a:t>
+            </a:r>
+            <a:r>
+              <a:rPr lang="ko-KR" altLang="en-US" dirty="0" smtClean="0"/>
+              <a:t> </a:t>
+            </a:r>
+            <a:r>
+              <a:rPr lang="en-US" altLang="ko-KR" dirty="0" smtClean="0"/>
+              <a:t>: ID, </a:t>
+            </a:r>
+            <a:r>
+              <a:rPr lang="ko-KR" altLang="en-US" dirty="0" smtClean="0"/>
+              <a:t>메뉴 이름</a:t>
+            </a:r>
+            <a:r>
+              <a:rPr lang="en-US" altLang="ko-KR" dirty="0" smtClean="0"/>
+              <a:t>, </a:t>
+            </a:r>
+            <a:r>
+              <a:rPr lang="ko-KR" altLang="en-US" dirty="0" smtClean="0"/>
+              <a:t>연결 페이지</a:t>
+            </a:r>
+            <a:endParaRPr lang="en-US" altLang="ko-KR" dirty="0" smtClean="0"/>
+          </a:p>
+          <a:p>
+            <a:pPr lvl="1"/>
+            <a:r>
+              <a:rPr lang="en-US" altLang="ko-KR" dirty="0" smtClean="0"/>
+              <a:t>Id</a:t>
+            </a:r>
+            <a:r>
+              <a:rPr lang="ko-KR" altLang="en-US" dirty="0" smtClean="0"/>
+              <a:t>순으로 메뉴 이름을 불러오고 클릭 시 해당 페이지로 연결되게 함</a:t>
+            </a:r>
+            <a:endParaRPr lang="en-US" altLang="ko-KR" dirty="0" smtClean="0"/>
+          </a:p>
+          <a:p>
+            <a:pPr lvl="1"/>
+            <a:r>
+              <a:rPr lang="ko-KR" altLang="en-US" dirty="0" smtClean="0"/>
+              <a:t>예</a:t>
+            </a:r>
+            <a:r>
+              <a:rPr lang="en-US" altLang="ko-KR" dirty="0" smtClean="0"/>
+              <a:t>: (1, </a:t>
+            </a:r>
+            <a:r>
+              <a:rPr lang="ko-KR" altLang="en-US" dirty="0" err="1" smtClean="0"/>
+              <a:t>샵</a:t>
+            </a:r>
+            <a:r>
+              <a:rPr lang="ko-KR" altLang="en-US" dirty="0" smtClean="0"/>
+              <a:t> 찾기</a:t>
+            </a:r>
+            <a:r>
+              <a:rPr lang="en-US" altLang="ko-KR" dirty="0" smtClean="0"/>
+              <a:t>, </a:t>
+            </a:r>
+            <a:r>
+              <a:rPr lang="en-US" altLang="ko-KR" dirty="0" err="1" smtClean="0"/>
+              <a:t>tatoo.php</a:t>
+            </a:r>
+            <a:r>
+              <a:rPr lang="en-US" altLang="ko-KR" dirty="0" smtClean="0"/>
+              <a:t>)</a:t>
+            </a:r>
+            <a:endParaRPr lang="en-US" altLang="ko-KR" dirty="0"/>
+          </a:p>
+          <a:p>
+            <a:endParaRPr lang="en-US" altLang="ko-KR" dirty="0" smtClean="0"/>
+          </a:p>
+        </p:txBody>
+      </p:sp>
+      <p:graphicFrame>
+        <p:nvGraphicFramePr>
+          <p:cNvPr id="7" name="표 6"/>
+          <p:cNvGraphicFramePr>
+            <a:graphicFrameLocks noGrp="1"/>
+          </p:cNvGraphicFramePr>
+          <p:nvPr>
+            <p:extLst>
+              <p:ext uri="{D42A27DB-BD31-4B8C-83A1-F6EECF244321}">
+                <p14:modId xmlns:p14="http://schemas.microsoft.com/office/powerpoint/2010/main" val="3554879940"/>
+              </p:ext>
+            </p:extLst>
+          </p:nvPr>
+        </p:nvGraphicFramePr>
+        <p:xfrm>
+          <a:off x="1547664" y="5301208"/>
+          <a:ext cx="6096000" cy="741680"/>
+        </p:xfrm>
+        <a:graphic>
+          <a:graphicData uri="http://schemas.openxmlformats.org/drawingml/2006/table">
+            <a:tbl>
+              <a:tblPr firstRow="1" bandRow="1">
+                <a:tableStyleId>{5940675A-B579-460E-94D1-54222C63F5DA}</a:tableStyleId>
+              </a:tblPr>
+              <a:tblGrid>
+                <a:gridCol w="2032000"/>
+                <a:gridCol w="2032000"/>
+                <a:gridCol w="2032000"/>
+              </a:tblGrid>
+              <a:tr h="370840">
+                <a:tc>
+                  <a:txBody>
+                    <a:bodyPr/>
+                    <a:lstStyle/>
+                    <a:p>
+                      <a:pPr latinLnBrk="1"/>
+                      <a:r>
+                        <a:rPr lang="en-US" altLang="ko-KR" dirty="0" err="1" smtClean="0"/>
+                        <a:t>Menu_id</a:t>
+                      </a:r>
+                      <a:endParaRPr lang="ko-KR" altLang="en-US" dirty="0"/>
+                    </a:p>
+                  </a:txBody>
+                  <a:tcPr/>
+                </a:tc>
+                <a:tc>
+                  <a:txBody>
+                    <a:bodyPr/>
+                    <a:lstStyle/>
+                    <a:p>
+                      <a:pPr latinLnBrk="1"/>
+                      <a:r>
+                        <a:rPr lang="en-US" altLang="ko-KR" dirty="0" err="1" smtClean="0"/>
+                        <a:t>Menu_nm</a:t>
+                      </a:r>
+                      <a:endParaRPr lang="ko-KR" altLang="en-US" dirty="0"/>
+                    </a:p>
+                  </a:txBody>
+                  <a:tcPr/>
+                </a:tc>
+                <a:tc>
+                  <a:txBody>
+                    <a:bodyPr/>
+                    <a:lstStyle/>
+                    <a:p>
+                      <a:pPr latinLnBrk="1"/>
+                      <a:r>
+                        <a:rPr lang="en-US" altLang="ko-KR" dirty="0" err="1" smtClean="0"/>
+                        <a:t>Connect_page</a:t>
+                      </a:r>
+                      <a:endParaRPr lang="ko-KR" altLang="en-US" dirty="0"/>
+                    </a:p>
+                  </a:txBody>
+                  <a:tcPr/>
+                </a:tc>
+              </a:tr>
+              <a:tr h="370840">
+                <a:tc>
+                  <a:txBody>
+                    <a:bodyPr/>
+                    <a:lstStyle/>
+                    <a:p>
+                      <a:pPr latinLnBrk="1"/>
+                      <a:r>
+                        <a:rPr lang="en-US" altLang="ko-KR" dirty="0" err="1" smtClean="0"/>
+                        <a:t>int</a:t>
+                      </a:r>
+                      <a:endParaRPr lang="ko-KR" altLang="en-US" dirty="0"/>
+                    </a:p>
+                  </a:txBody>
+                  <a:tcPr/>
+                </a:tc>
+                <a:tc>
+                  <a:txBody>
+                    <a:bodyPr/>
+                    <a:lstStyle/>
+                    <a:p>
+                      <a:pPr latinLnBrk="1"/>
+                      <a:r>
+                        <a:rPr lang="en-US" altLang="ko-KR" dirty="0" err="1" smtClean="0"/>
+                        <a:t>Varchar</a:t>
+                      </a:r>
+                      <a:r>
+                        <a:rPr lang="en-US" altLang="ko-KR" dirty="0" smtClean="0"/>
+                        <a:t>(20)</a:t>
+                      </a:r>
+                      <a:endParaRPr lang="ko-KR" altLang="en-US" dirty="0"/>
+                    </a:p>
+                  </a:txBody>
+                  <a:tcPr/>
+                </a:tc>
+                <a:tc>
+                  <a:txBody>
+                    <a:bodyPr/>
+                    <a:lstStyle/>
+                    <a:p>
+                      <a:pPr latinLnBrk="1"/>
+                      <a:r>
+                        <a:rPr lang="en-US" altLang="ko-KR" dirty="0" err="1" smtClean="0"/>
+                        <a:t>Varchar</a:t>
+                      </a:r>
+                      <a:r>
+                        <a:rPr lang="en-US" altLang="ko-KR" dirty="0" smtClean="0"/>
+                        <a:t>(20)</a:t>
+                      </a:r>
+                      <a:endParaRPr lang="ko-KR" altLang="en-US" dirty="0"/>
+                    </a:p>
+                  </a:txBody>
+                  <a:tcPr/>
+                </a:tc>
+              </a:tr>
+            </a:tbl>
+          </a:graphicData>
+        </a:graphic>
+      </p:graphicFrame>
+    </p:spTree>
+    <p:extLst>
+      <p:ext uri="{BB962C8B-B14F-4D97-AF65-F5344CB8AC3E}">
+        <p14:creationId xmlns:p14="http://schemas.microsoft.com/office/powerpoint/2010/main" val="2489569918"/>
+      </p:ext>
+    </p:extLst>
+  </p:cSld>
+  <p:clrMapOvr>
+    <a:masterClrMapping/>
+  </p:clrMapOvr>
+</p:sld>
+</file>
+
+<file path=ppt/slides/slide6.xml><?xml version="1.0" encoding="utf-8"?>
+<p:sld xmlns:a="http://schemas.openxmlformats.org/drawingml/2006/main" xmlns:r="http://schemas.openxmlformats.org/officeDocument/2006/relationships" xmlns:p="http://schemas.openxmlformats.org/presentationml/2006/main">
+  <p:cSld>
+    <p:spTree>
+      <p:nvGrpSpPr>
+        <p:cNvPr id="1" name=""/>
+        <p:cNvGrpSpPr/>
+        <p:nvPr/>
+      </p:nvGrpSpPr>
+      <p:grpSpPr>
+        <a:xfrm>
+          <a:off x="0" y="0"/>
+          <a:ext cx="0" cy="0"/>
+          <a:chOff x="0" y="0"/>
+          <a:chExt cx="0" cy="0"/>
+        </a:xfrm>
+      </p:grpSpPr>
+      <p:sp>
+        <p:nvSpPr>
+          <p:cNvPr id="2" name="제목 1"/>
+          <p:cNvSpPr>
+            <a:spLocks noGrp="1"/>
+          </p:cNvSpPr>
+          <p:nvPr>
+            <p:ph type="title"/>
+          </p:nvPr>
+        </p:nvSpPr>
+        <p:spPr/>
+        <p:txBody>
+          <a:bodyPr/>
+          <a:lstStyle/>
+          <a:p>
+            <a:r>
+              <a:rPr lang="ko-KR" altLang="en-US" dirty="0" err="1" smtClean="0"/>
+              <a:t>메인화면</a:t>
+            </a:r>
+            <a:r>
+              <a:rPr lang="en-US" altLang="ko-KR" dirty="0" smtClean="0"/>
+              <a:t>(4)</a:t>
+            </a:r>
+            <a:endParaRPr lang="ko-KR" altLang="en-US" dirty="0"/>
+          </a:p>
+        </p:txBody>
+      </p:sp>
+      <p:sp>
+        <p:nvSpPr>
+          <p:cNvPr id="3" name="내용 개체 틀 2"/>
+          <p:cNvSpPr>
+            <a:spLocks noGrp="1"/>
+          </p:cNvSpPr>
+          <p:nvPr>
+            <p:ph idx="1"/>
+          </p:nvPr>
+        </p:nvSpPr>
+        <p:spPr/>
+        <p:txBody>
+          <a:bodyPr/>
+          <a:lstStyle/>
+          <a:p>
+            <a:r>
+              <a:rPr lang="ko-KR" altLang="en-US" dirty="0" err="1" smtClean="0"/>
+              <a:t>타투</a:t>
+            </a:r>
+            <a:r>
+              <a:rPr lang="ko-KR" altLang="en-US" dirty="0" smtClean="0"/>
+              <a:t> 종류</a:t>
+            </a:r>
+            <a:endParaRPr lang="en-US" altLang="ko-KR" dirty="0" smtClean="0"/>
+          </a:p>
+          <a:p>
+            <a:pPr lvl="1"/>
+            <a:r>
+              <a:rPr lang="ko-KR" altLang="en-US" dirty="0" err="1" smtClean="0"/>
+              <a:t>이레즈미</a:t>
+            </a:r>
+            <a:endParaRPr lang="en-US" altLang="ko-KR" dirty="0" smtClean="0"/>
+          </a:p>
+          <a:p>
+            <a:pPr lvl="1"/>
+            <a:r>
+              <a:rPr lang="ko-KR" altLang="en-US" dirty="0" err="1" smtClean="0"/>
+              <a:t>뉴</a:t>
+            </a:r>
+            <a:r>
+              <a:rPr lang="ko-KR" altLang="en-US" dirty="0" smtClean="0"/>
+              <a:t> </a:t>
+            </a:r>
+            <a:r>
+              <a:rPr lang="ko-KR" altLang="en-US" dirty="0" err="1" smtClean="0"/>
+              <a:t>올드스쿨</a:t>
+            </a:r>
+            <a:endParaRPr lang="en-US" altLang="ko-KR" dirty="0" smtClean="0"/>
+          </a:p>
+          <a:p>
+            <a:pPr lvl="1"/>
+            <a:r>
+              <a:rPr lang="ko-KR" altLang="en-US" dirty="0" smtClean="0"/>
+              <a:t>블랙 앤 </a:t>
+            </a:r>
+            <a:r>
+              <a:rPr lang="ko-KR" altLang="en-US" dirty="0" err="1" smtClean="0"/>
+              <a:t>그레이</a:t>
+            </a:r>
+            <a:endParaRPr lang="en-US" altLang="ko-KR" dirty="0" smtClean="0"/>
+          </a:p>
+          <a:p>
+            <a:pPr lvl="1"/>
+            <a:r>
+              <a:rPr lang="ko-KR" altLang="en-US" dirty="0" err="1" smtClean="0"/>
+              <a:t>리얼</a:t>
+            </a:r>
+            <a:endParaRPr lang="en-US" altLang="ko-KR" dirty="0" smtClean="0"/>
+          </a:p>
+          <a:p>
+            <a:pPr lvl="1"/>
+            <a:r>
+              <a:rPr lang="ko-KR" altLang="en-US" dirty="0" smtClean="0"/>
+              <a:t>포인트</a:t>
+            </a:r>
+            <a:endParaRPr lang="en-US" altLang="ko-KR" dirty="0" smtClean="0"/>
+          </a:p>
+          <a:p>
+            <a:r>
+              <a:rPr lang="ko-KR" altLang="en-US" dirty="0" smtClean="0"/>
+              <a:t>새로운 종류를 추가하기 용이하도록 </a:t>
+            </a:r>
+            <a:r>
+              <a:rPr lang="en-US" altLang="ko-KR" dirty="0" smtClean="0"/>
+              <a:t>DB </a:t>
+            </a:r>
+            <a:r>
+              <a:rPr lang="ko-KR" altLang="en-US" dirty="0" smtClean="0"/>
+              <a:t>사용</a:t>
+            </a:r>
+            <a:endParaRPr lang="en-US" altLang="ko-KR" dirty="0" smtClean="0"/>
+          </a:p>
+        </p:txBody>
+      </p:sp>
+      <p:sp>
+        <p:nvSpPr>
+          <p:cNvPr id="7" name="타원 6"/>
+          <p:cNvSpPr/>
+          <p:nvPr/>
+        </p:nvSpPr>
+        <p:spPr>
+          <a:xfrm>
+            <a:off x="3983807" y="2755899"/>
+            <a:ext cx="757419" cy="757419"/>
+          </a:xfrm>
+          <a:prstGeom prst="ellipse">
+            <a:avLst/>
+          </a:prstGeom>
+          <a:noFill/>
+        </p:spPr>
+        <p:style>
+          <a:lnRef idx="2">
+            <a:schemeClr val="accent1">
+              <a:shade val="50000"/>
+            </a:schemeClr>
+          </a:lnRef>
+          <a:fillRef idx="1">
+            <a:schemeClr val="accent1"/>
+          </a:fillRef>
+          <a:effectRef idx="0">
+            <a:schemeClr val="accent1"/>
+          </a:effectRef>
+          <a:fontRef idx="minor">
+            <a:schemeClr val="lt1"/>
+          </a:fontRef>
+        </p:style>
+        <p:txBody>
+          <a:bodyPr rtlCol="0" anchor="ctr"/>
+          <a:lstStyle/>
+          <a:p>
+            <a:pPr algn="ctr"/>
+            <a:endParaRPr lang="ko-KR" altLang="en-US"/>
+          </a:p>
+        </p:txBody>
+      </p:sp>
+      <p:sp>
+        <p:nvSpPr>
+          <p:cNvPr id="8" name="타원 7"/>
+          <p:cNvSpPr/>
+          <p:nvPr/>
+        </p:nvSpPr>
+        <p:spPr>
+          <a:xfrm>
+            <a:off x="4991920" y="2755899"/>
+            <a:ext cx="757419" cy="757419"/>
+          </a:xfrm>
+          <a:prstGeom prst="ellipse">
+            <a:avLst/>
+          </a:prstGeom>
+          <a:noFill/>
+        </p:spPr>
+        <p:style>
+          <a:lnRef idx="2">
+            <a:schemeClr val="accent1">
+              <a:shade val="50000"/>
+            </a:schemeClr>
+          </a:lnRef>
+          <a:fillRef idx="1">
+            <a:schemeClr val="accent1"/>
+          </a:fillRef>
+          <a:effectRef idx="0">
+            <a:schemeClr val="accent1"/>
+          </a:effectRef>
+          <a:fontRef idx="minor">
+            <a:schemeClr val="lt1"/>
+          </a:fontRef>
+        </p:style>
+        <p:txBody>
+          <a:bodyPr rtlCol="0" anchor="ctr"/>
+          <a:lstStyle/>
+          <a:p>
+            <a:pPr algn="ctr"/>
+            <a:endParaRPr lang="ko-KR" altLang="en-US"/>
+          </a:p>
+        </p:txBody>
+      </p:sp>
+      <p:sp>
+        <p:nvSpPr>
+          <p:cNvPr id="9" name="타원 8"/>
+          <p:cNvSpPr/>
+          <p:nvPr/>
+        </p:nvSpPr>
+        <p:spPr>
+          <a:xfrm>
+            <a:off x="6020144" y="2755899"/>
+            <a:ext cx="757419" cy="757419"/>
+          </a:xfrm>
+          <a:prstGeom prst="ellipse">
+            <a:avLst/>
+          </a:prstGeom>
+          <a:noFill/>
+        </p:spPr>
+        <p:style>
+          <a:lnRef idx="2">
+            <a:schemeClr val="accent1">
+              <a:shade val="50000"/>
+            </a:schemeClr>
+          </a:lnRef>
+          <a:fillRef idx="1">
+            <a:schemeClr val="accent1"/>
+          </a:fillRef>
+          <a:effectRef idx="0">
+            <a:schemeClr val="accent1"/>
+          </a:effectRef>
+          <a:fontRef idx="minor">
+            <a:schemeClr val="lt1"/>
+          </a:fontRef>
+        </p:style>
+        <p:txBody>
+          <a:bodyPr rtlCol="0" anchor="ctr"/>
+          <a:lstStyle/>
+          <a:p>
+            <a:pPr algn="ctr"/>
+            <a:endParaRPr lang="ko-KR" altLang="en-US"/>
+          </a:p>
+        </p:txBody>
+      </p:sp>
+      <p:sp>
+        <p:nvSpPr>
+          <p:cNvPr id="10" name="타원 9"/>
+          <p:cNvSpPr/>
+          <p:nvPr/>
+        </p:nvSpPr>
+        <p:spPr>
+          <a:xfrm>
+            <a:off x="6020143" y="3945366"/>
+            <a:ext cx="757419" cy="757419"/>
+          </a:xfrm>
+          <a:prstGeom prst="ellipse">
+            <a:avLst/>
+          </a:prstGeom>
+          <a:noFill/>
+        </p:spPr>
+        <p:style>
+          <a:lnRef idx="2">
+            <a:schemeClr val="accent1">
+              <a:shade val="50000"/>
+            </a:schemeClr>
+          </a:lnRef>
+          <a:fillRef idx="1">
+            <a:schemeClr val="accent1"/>
+          </a:fillRef>
+          <a:effectRef idx="0">
+            <a:schemeClr val="accent1"/>
+          </a:effectRef>
+          <a:fontRef idx="minor">
+            <a:schemeClr val="lt1"/>
+          </a:fontRef>
+        </p:style>
+        <p:txBody>
+          <a:bodyPr rtlCol="0" anchor="ctr"/>
+          <a:lstStyle/>
+          <a:p>
+            <a:pPr algn="ctr"/>
+            <a:endParaRPr lang="ko-KR" altLang="en-US"/>
+          </a:p>
+        </p:txBody>
+      </p:sp>
+      <p:sp>
+        <p:nvSpPr>
+          <p:cNvPr id="11" name="타원 10"/>
+          <p:cNvSpPr/>
+          <p:nvPr/>
+        </p:nvSpPr>
+        <p:spPr>
+          <a:xfrm>
+            <a:off x="4991920" y="3945366"/>
+            <a:ext cx="757419" cy="757419"/>
+          </a:xfrm>
+          <a:prstGeom prst="ellipse">
+            <a:avLst/>
+          </a:prstGeom>
+          <a:noFill/>
+        </p:spPr>
+        <p:style>
+          <a:lnRef idx="2">
+            <a:schemeClr val="accent1">
+              <a:shade val="50000"/>
+            </a:schemeClr>
+          </a:lnRef>
+          <a:fillRef idx="1">
+            <a:schemeClr val="accent1"/>
+          </a:fillRef>
+          <a:effectRef idx="0">
+            <a:schemeClr val="accent1"/>
+          </a:effectRef>
+          <a:fontRef idx="minor">
+            <a:schemeClr val="lt1"/>
+          </a:fontRef>
+        </p:style>
+        <p:txBody>
+          <a:bodyPr rtlCol="0" anchor="ctr"/>
+          <a:lstStyle/>
+          <a:p>
+            <a:pPr algn="ctr"/>
+            <a:endParaRPr lang="ko-KR" altLang="en-US"/>
+          </a:p>
+        </p:txBody>
+      </p:sp>
+      <p:sp>
+        <p:nvSpPr>
+          <p:cNvPr id="12" name="타원 11"/>
+          <p:cNvSpPr/>
+          <p:nvPr/>
+        </p:nvSpPr>
+        <p:spPr>
+          <a:xfrm>
+            <a:off x="3983807" y="3945366"/>
+            <a:ext cx="757419" cy="757419"/>
+          </a:xfrm>
+          <a:prstGeom prst="ellipse">
+            <a:avLst/>
+          </a:prstGeom>
+          <a:noFill/>
+        </p:spPr>
+        <p:style>
+          <a:lnRef idx="2">
+            <a:schemeClr val="accent1">
+              <a:shade val="50000"/>
+            </a:schemeClr>
+          </a:lnRef>
+          <a:fillRef idx="1">
+            <a:schemeClr val="accent1"/>
+          </a:fillRef>
+          <a:effectRef idx="0">
+            <a:schemeClr val="accent1"/>
+          </a:effectRef>
+          <a:fontRef idx="minor">
+            <a:schemeClr val="lt1"/>
+          </a:fontRef>
+        </p:style>
+        <p:txBody>
+          <a:bodyPr rtlCol="0" anchor="ctr"/>
+          <a:lstStyle/>
+          <a:p>
+            <a:pPr algn="ctr"/>
+            <a:endParaRPr lang="ko-KR" altLang="en-US"/>
+          </a:p>
+        </p:txBody>
+      </p:sp>
+      <p:sp>
+        <p:nvSpPr>
+          <p:cNvPr id="13" name="모서리가 둥근 직사각형 12"/>
+          <p:cNvSpPr/>
+          <p:nvPr/>
+        </p:nvSpPr>
+        <p:spPr>
+          <a:xfrm>
+            <a:off x="3894951" y="2646443"/>
+            <a:ext cx="3012949" cy="2165798"/>
+          </a:xfrm>
+          <a:prstGeom prst="roundRect">
+            <a:avLst/>
+          </a:prstGeom>
+          <a:noFill/>
+          <a:ln>
+            <a:prstDash val="dash"/>
+          </a:ln>
+        </p:spPr>
+        <p:style>
+          <a:lnRef idx="2">
+            <a:schemeClr val="accent1">
+              <a:shade val="50000"/>
+            </a:schemeClr>
+          </a:lnRef>
+          <a:fillRef idx="1">
+            <a:schemeClr val="accent1"/>
+          </a:fillRef>
+          <a:effectRef idx="0">
+            <a:schemeClr val="accent1"/>
+          </a:effectRef>
+          <a:fontRef idx="minor">
+            <a:schemeClr val="lt1"/>
+          </a:fontRef>
+        </p:style>
+        <p:txBody>
+          <a:bodyPr rtlCol="0" anchor="ctr"/>
+          <a:lstStyle/>
+          <a:p>
+            <a:pPr algn="ctr"/>
+            <a:endParaRPr lang="ko-KR" altLang="en-US"/>
+          </a:p>
+        </p:txBody>
+      </p:sp>
+      <p:sp>
+        <p:nvSpPr>
+          <p:cNvPr id="15" name="TextBox 14"/>
+          <p:cNvSpPr txBox="1"/>
+          <p:nvPr/>
+        </p:nvSpPr>
+        <p:spPr>
+          <a:xfrm>
+            <a:off x="5955810" y="1619284"/>
+            <a:ext cx="2507418" cy="369332"/>
+          </a:xfrm>
+          <a:prstGeom prst="rect">
+            <a:avLst/>
+          </a:prstGeom>
+          <a:noFill/>
+          <a:ln>
+            <a:solidFill>
+              <a:srgbClr val="FF0000"/>
+            </a:solidFill>
+          </a:ln>
+        </p:spPr>
+        <p:txBody>
+          <a:bodyPr wrap="none" rtlCol="0">
+            <a:spAutoFit/>
+          </a:bodyPr>
+          <a:lstStyle/>
+          <a:p>
+            <a:r>
+              <a:rPr lang="ko-KR" altLang="en-US" dirty="0" err="1" smtClean="0"/>
+              <a:t>타투</a:t>
+            </a:r>
+            <a:r>
+              <a:rPr lang="ko-KR" altLang="en-US" dirty="0" smtClean="0"/>
+              <a:t> 종류 테이블 필요</a:t>
+            </a:r>
+            <a:endParaRPr lang="ko-KR" altLang="en-US" dirty="0"/>
+          </a:p>
+        </p:txBody>
+      </p:sp>
+      <p:cxnSp>
+        <p:nvCxnSpPr>
+          <p:cNvPr id="16" name="직선 화살표 연결선 15"/>
+          <p:cNvCxnSpPr>
+            <a:stCxn id="15" idx="2"/>
+            <a:endCxn id="13" idx="0"/>
+          </p:cNvCxnSpPr>
+          <p:nvPr/>
+        </p:nvCxnSpPr>
+        <p:spPr>
+          <a:xfrm flipH="1">
+            <a:off x="5401426" y="1988616"/>
+            <a:ext cx="1808093" cy="657827"/>
+          </a:xfrm>
+          <a:prstGeom prst="straightConnector1">
+            <a:avLst/>
+          </a:prstGeom>
+          <a:ln>
+            <a:solidFill>
+              <a:srgbClr val="FF0000"/>
+            </a:solidFill>
+            <a:tailEnd type="arrow"/>
+          </a:ln>
+        </p:spPr>
+        <p:style>
+          <a:lnRef idx="1">
+            <a:schemeClr val="accent1"/>
+          </a:lnRef>
+          <a:fillRef idx="0">
+            <a:schemeClr val="accent1"/>
+          </a:fillRef>
+          <a:effectRef idx="0">
+            <a:schemeClr val="accent1"/>
+          </a:effectRef>
+          <a:fontRef idx="minor">
+            <a:schemeClr val="tx1"/>
+          </a:fontRef>
+        </p:style>
+      </p:cxnSp>
+    </p:spTree>
+    <p:extLst>
+      <p:ext uri="{BB962C8B-B14F-4D97-AF65-F5344CB8AC3E}">
+        <p14:creationId xmlns:p14="http://schemas.microsoft.com/office/powerpoint/2010/main" val="1838621832"/>
+      </p:ext>
+    </p:extLst>
+  </p:cSld>
+  <p:clrMapOvr>
+    <a:masterClrMapping/>
+  </p:clrMapOvr>
+</p:sld>
+</file>
+
+<file path=ppt/slides/slide7.xml><?xml version="1.0" encoding="utf-8"?>
+<p:sld xmlns:a="http://schemas.openxmlformats.org/drawingml/2006/main" xmlns:r="http://schemas.openxmlformats.org/officeDocument/2006/relationships" xmlns:p="http://schemas.openxmlformats.org/presentationml/2006/main">
+  <p:cSld>
+    <p:spTree>
+      <p:nvGrpSpPr>
+        <p:cNvPr id="1" name=""/>
+        <p:cNvGrpSpPr/>
+        <p:nvPr/>
+      </p:nvGrpSpPr>
+      <p:grpSpPr>
+        <a:xfrm>
+          <a:off x="0" y="0"/>
+          <a:ext cx="0" cy="0"/>
+          <a:chOff x="0" y="0"/>
+          <a:chExt cx="0" cy="0"/>
+        </a:xfrm>
+      </p:grpSpPr>
+      <p:sp>
+        <p:nvSpPr>
+          <p:cNvPr id="2" name="제목 1"/>
+          <p:cNvSpPr>
+            <a:spLocks noGrp="1"/>
+          </p:cNvSpPr>
+          <p:nvPr>
+            <p:ph type="title"/>
+          </p:nvPr>
+        </p:nvSpPr>
+        <p:spPr/>
+        <p:txBody>
+          <a:bodyPr/>
+          <a:lstStyle/>
+          <a:p>
+            <a:r>
+              <a:rPr lang="ko-KR" altLang="en-US" dirty="0" err="1" smtClean="0"/>
+              <a:t>메인화면</a:t>
+            </a:r>
+            <a:r>
+              <a:rPr lang="en-US" altLang="ko-KR" dirty="0" smtClean="0"/>
+              <a:t>(5)</a:t>
+            </a:r>
+            <a:endParaRPr lang="ko-KR" altLang="en-US" dirty="0"/>
+          </a:p>
+        </p:txBody>
+      </p:sp>
+      <p:sp>
+        <p:nvSpPr>
+          <p:cNvPr id="3" name="내용 개체 틀 2"/>
+          <p:cNvSpPr>
+            <a:spLocks noGrp="1"/>
+          </p:cNvSpPr>
+          <p:nvPr>
+            <p:ph idx="1"/>
+          </p:nvPr>
+        </p:nvSpPr>
+        <p:spPr/>
+        <p:txBody>
+          <a:bodyPr/>
+          <a:lstStyle/>
+          <a:p>
+            <a:r>
+              <a:rPr lang="ko-KR" altLang="en-US" dirty="0" err="1" smtClean="0"/>
+              <a:t>타투</a:t>
+            </a:r>
+            <a:r>
+              <a:rPr lang="ko-KR" altLang="en-US" dirty="0" smtClean="0"/>
+              <a:t> 종류</a:t>
+            </a:r>
+            <a:endParaRPr lang="en-US" altLang="ko-KR" dirty="0" smtClean="0"/>
+          </a:p>
+          <a:p>
+            <a:pPr lvl="1"/>
+            <a:r>
+              <a:rPr lang="en-US" altLang="ko-KR" dirty="0" smtClean="0"/>
+              <a:t>TKIND_TB</a:t>
+            </a:r>
+            <a:endParaRPr lang="en-US" altLang="ko-KR" dirty="0"/>
+          </a:p>
+          <a:p>
+            <a:pPr lvl="1"/>
+            <a:r>
+              <a:rPr lang="ko-KR" altLang="en-US" dirty="0" err="1"/>
+              <a:t>컬럼</a:t>
+            </a:r>
+            <a:r>
+              <a:rPr lang="ko-KR" altLang="en-US" dirty="0"/>
+              <a:t> </a:t>
+            </a:r>
+            <a:r>
+              <a:rPr lang="en-US" altLang="ko-KR" dirty="0"/>
+              <a:t>: ID, </a:t>
+            </a:r>
+            <a:r>
+              <a:rPr lang="ko-KR" altLang="en-US" dirty="0" err="1" smtClean="0"/>
+              <a:t>타</a:t>
+            </a:r>
+            <a:r>
+              <a:rPr lang="ko-KR" altLang="en-US" dirty="0" err="1"/>
+              <a:t>투</a:t>
+            </a:r>
+            <a:r>
+              <a:rPr lang="ko-KR" altLang="en-US" dirty="0" smtClean="0"/>
+              <a:t> 종류</a:t>
+            </a:r>
+            <a:r>
+              <a:rPr lang="en-US" altLang="ko-KR" smtClean="0"/>
+              <a:t>, </a:t>
+            </a:r>
+            <a:endParaRPr lang="en-US" altLang="ko-KR" dirty="0"/>
+          </a:p>
+          <a:p>
+            <a:pPr lvl="1"/>
+            <a:r>
+              <a:rPr lang="en-US" altLang="ko-KR" dirty="0"/>
+              <a:t>Id</a:t>
+            </a:r>
+            <a:r>
+              <a:rPr lang="ko-KR" altLang="en-US" dirty="0"/>
+              <a:t>순으로 메뉴 이름을 불러오고 클릭 시 해당 페이지로 연결되게 함</a:t>
+            </a:r>
+            <a:endParaRPr lang="en-US" altLang="ko-KR" dirty="0"/>
+          </a:p>
+          <a:p>
+            <a:pPr lvl="1"/>
+            <a:r>
+              <a:rPr lang="ko-KR" altLang="en-US" dirty="0"/>
+              <a:t>예</a:t>
+            </a:r>
+            <a:r>
+              <a:rPr lang="en-US" altLang="ko-KR" dirty="0"/>
+              <a:t>: (1, </a:t>
+            </a:r>
+            <a:r>
+              <a:rPr lang="ko-KR" altLang="en-US" dirty="0" err="1" smtClean="0"/>
+              <a:t>이레즈미</a:t>
+            </a:r>
+            <a:r>
+              <a:rPr lang="en-US" altLang="ko-KR" dirty="0" smtClean="0"/>
+              <a:t>, </a:t>
+            </a:r>
+            <a:r>
+              <a:rPr lang="en-US" altLang="ko-KR" dirty="0" err="1" smtClean="0"/>
+              <a:t>irezumi</a:t>
+            </a:r>
+            <a:r>
+              <a:rPr lang="en-US" altLang="ko-KR" dirty="0" smtClean="0"/>
+              <a:t>)</a:t>
+            </a:r>
+            <a:endParaRPr lang="en-US" altLang="ko-KR" dirty="0"/>
+          </a:p>
+          <a:p>
+            <a:pPr lvl="1"/>
+            <a:endParaRPr lang="en-US" altLang="ko-KR" dirty="0" smtClean="0"/>
+          </a:p>
+        </p:txBody>
+      </p:sp>
+      <p:graphicFrame>
+        <p:nvGraphicFramePr>
+          <p:cNvPr id="14" name="표 13"/>
+          <p:cNvGraphicFramePr>
+            <a:graphicFrameLocks noGrp="1"/>
+          </p:cNvGraphicFramePr>
+          <p:nvPr>
+            <p:extLst>
+              <p:ext uri="{D42A27DB-BD31-4B8C-83A1-F6EECF244321}">
+                <p14:modId xmlns:p14="http://schemas.microsoft.com/office/powerpoint/2010/main" val="3284695782"/>
+              </p:ext>
+            </p:extLst>
+          </p:nvPr>
+        </p:nvGraphicFramePr>
+        <p:xfrm>
+          <a:off x="1547664" y="5301208"/>
+          <a:ext cx="6096000" cy="741680"/>
+        </p:xfrm>
+        <a:graphic>
+          <a:graphicData uri="http://schemas.openxmlformats.org/drawingml/2006/table">
+            <a:tbl>
+              <a:tblPr firstRow="1" bandRow="1">
+                <a:tableStyleId>{5940675A-B579-460E-94D1-54222C63F5DA}</a:tableStyleId>
+              </a:tblPr>
+              <a:tblGrid>
+                <a:gridCol w="2032000"/>
+                <a:gridCol w="2032000"/>
+                <a:gridCol w="2032000"/>
+              </a:tblGrid>
+              <a:tr h="370840">
+                <a:tc>
+                  <a:txBody>
+                    <a:bodyPr/>
+                    <a:lstStyle/>
+                    <a:p>
+                      <a:pPr latinLnBrk="1"/>
+                      <a:r>
+                        <a:rPr lang="en-US" altLang="ko-KR" dirty="0" err="1" smtClean="0"/>
+                        <a:t>Menu_id</a:t>
+                      </a:r>
+                      <a:endParaRPr lang="ko-KR" altLang="en-US" dirty="0"/>
+                    </a:p>
+                  </a:txBody>
+                  <a:tcPr/>
+                </a:tc>
+                <a:tc>
+                  <a:txBody>
+                    <a:bodyPr/>
+                    <a:lstStyle/>
+                    <a:p>
+                      <a:pPr latinLnBrk="1"/>
+                      <a:r>
+                        <a:rPr lang="en-US" altLang="ko-KR" dirty="0" err="1" smtClean="0"/>
+                        <a:t>Menu_nm</a:t>
+                      </a:r>
+                      <a:endParaRPr lang="ko-KR" altLang="en-US" dirty="0"/>
+                    </a:p>
+                  </a:txBody>
+                  <a:tcPr/>
+                </a:tc>
+                <a:tc>
+                  <a:txBody>
+                    <a:bodyPr/>
+                    <a:lstStyle/>
+                    <a:p>
+                      <a:pPr latinLnBrk="1"/>
+                      <a:r>
+                        <a:rPr lang="en-US" altLang="ko-KR" dirty="0" err="1" smtClean="0"/>
+                        <a:t>Connect_page</a:t>
+                      </a:r>
+                      <a:endParaRPr lang="ko-KR" altLang="en-US" dirty="0"/>
+                    </a:p>
+                  </a:txBody>
+                  <a:tcPr/>
+                </a:tc>
+              </a:tr>
+              <a:tr h="370840">
+                <a:tc>
+                  <a:txBody>
+                    <a:bodyPr/>
+                    <a:lstStyle/>
+                    <a:p>
+                      <a:pPr latinLnBrk="1"/>
+                      <a:r>
+                        <a:rPr lang="en-US" altLang="ko-KR" dirty="0" err="1" smtClean="0"/>
+                        <a:t>int</a:t>
+                      </a:r>
+                      <a:endParaRPr lang="ko-KR" altLang="en-US" dirty="0"/>
+                    </a:p>
+                  </a:txBody>
+                  <a:tcPr/>
+                </a:tc>
+                <a:tc>
+                  <a:txBody>
+                    <a:bodyPr/>
+                    <a:lstStyle/>
+                    <a:p>
+                      <a:pPr latinLnBrk="1"/>
+                      <a:r>
+                        <a:rPr lang="en-US" altLang="ko-KR" dirty="0" err="1" smtClean="0"/>
+                        <a:t>Varchar</a:t>
+                      </a:r>
+                      <a:r>
+                        <a:rPr lang="en-US" altLang="ko-KR" dirty="0" smtClean="0"/>
+                        <a:t>(20)</a:t>
+                      </a:r>
+                      <a:endParaRPr lang="ko-KR" altLang="en-US" dirty="0"/>
+                    </a:p>
+                  </a:txBody>
+                  <a:tcPr/>
+                </a:tc>
+                <a:tc>
+                  <a:txBody>
+                    <a:bodyPr/>
+                    <a:lstStyle/>
+                    <a:p>
+                      <a:pPr latinLnBrk="1"/>
+                      <a:r>
+                        <a:rPr lang="en-US" altLang="ko-KR" dirty="0" err="1" smtClean="0"/>
+                        <a:t>Varchar</a:t>
+                      </a:r>
+                      <a:r>
+                        <a:rPr lang="en-US" altLang="ko-KR" dirty="0" smtClean="0"/>
+                        <a:t>(20)</a:t>
+                      </a:r>
+                      <a:endParaRPr lang="ko-KR" altLang="en-US" dirty="0"/>
+                    </a:p>
+                  </a:txBody>
+                  <a:tcPr/>
+                </a:tc>
+              </a:tr>
+            </a:tbl>
+          </a:graphicData>
+        </a:graphic>
+      </p:graphicFrame>
+    </p:spTree>
+    <p:extLst>
+      <p:ext uri="{BB962C8B-B14F-4D97-AF65-F5344CB8AC3E}">
+        <p14:creationId xmlns:p14="http://schemas.microsoft.com/office/powerpoint/2010/main" val="356089308"/>
       </p:ext>
     </p:extLst>
   </p:cSld>

--- a/docs/ttm DB설계.pptx
+++ b/docs/ttm DB설계.pptx
@@ -12,6 +12,9 @@
     <p:sldId id="262" r:id="rId6"/>
     <p:sldId id="261" r:id="rId7"/>
     <p:sldId id="263" r:id="rId8"/>
+    <p:sldId id="264" r:id="rId9"/>
+    <p:sldId id="265" r:id="rId10"/>
+    <p:sldId id="266" r:id="rId11"/>
   </p:sldIdLst>
   <p:sldSz cx="9144000" cy="6858000" type="screen4x3"/>
   <p:notesSz cx="6858000" cy="9144000"/>
@@ -294,7 +297,7 @@
           <a:p>
             <a:fld id="{FB30EDBD-1C2D-4C1E-B459-B60219FAB484}" type="datetimeFigureOut">
               <a:rPr lang="ko-KR" altLang="en-US" smtClean="0"/>
-              <a:t>2015-04-22</a:t>
+              <a:t>2015-05-11</a:t>
             </a:fld>
             <a:endParaRPr lang="ko-KR" altLang="en-US"/>
           </a:p>
@@ -459,7 +462,7 @@
           <a:p>
             <a:fld id="{FB30EDBD-1C2D-4C1E-B459-B60219FAB484}" type="datetimeFigureOut">
               <a:rPr lang="ko-KR" altLang="en-US" smtClean="0"/>
-              <a:t>2015-04-22</a:t>
+              <a:t>2015-05-11</a:t>
             </a:fld>
             <a:endParaRPr lang="ko-KR" altLang="en-US"/>
           </a:p>
@@ -634,7 +637,7 @@
           <a:p>
             <a:fld id="{FB30EDBD-1C2D-4C1E-B459-B60219FAB484}" type="datetimeFigureOut">
               <a:rPr lang="ko-KR" altLang="en-US" smtClean="0"/>
-              <a:t>2015-04-22</a:t>
+              <a:t>2015-05-11</a:t>
             </a:fld>
             <a:endParaRPr lang="ko-KR" altLang="en-US"/>
           </a:p>
@@ -799,7 +802,7 @@
           <a:p>
             <a:fld id="{FB30EDBD-1C2D-4C1E-B459-B60219FAB484}" type="datetimeFigureOut">
               <a:rPr lang="ko-KR" altLang="en-US" smtClean="0"/>
-              <a:t>2015-04-22</a:t>
+              <a:t>2015-05-11</a:t>
             </a:fld>
             <a:endParaRPr lang="ko-KR" altLang="en-US"/>
           </a:p>
@@ -1040,7 +1043,7 @@
           <a:p>
             <a:fld id="{FB30EDBD-1C2D-4C1E-B459-B60219FAB484}" type="datetimeFigureOut">
               <a:rPr lang="ko-KR" altLang="en-US" smtClean="0"/>
-              <a:t>2015-04-22</a:t>
+              <a:t>2015-05-11</a:t>
             </a:fld>
             <a:endParaRPr lang="ko-KR" altLang="en-US"/>
           </a:p>
@@ -1323,7 +1326,7 @@
           <a:p>
             <a:fld id="{FB30EDBD-1C2D-4C1E-B459-B60219FAB484}" type="datetimeFigureOut">
               <a:rPr lang="ko-KR" altLang="en-US" smtClean="0"/>
-              <a:t>2015-04-22</a:t>
+              <a:t>2015-05-11</a:t>
             </a:fld>
             <a:endParaRPr lang="ko-KR" altLang="en-US"/>
           </a:p>
@@ -1740,7 +1743,7 @@
           <a:p>
             <a:fld id="{FB30EDBD-1C2D-4C1E-B459-B60219FAB484}" type="datetimeFigureOut">
               <a:rPr lang="ko-KR" altLang="en-US" smtClean="0"/>
-              <a:t>2015-04-22</a:t>
+              <a:t>2015-05-11</a:t>
             </a:fld>
             <a:endParaRPr lang="ko-KR" altLang="en-US"/>
           </a:p>
@@ -1853,7 +1856,7 @@
           <a:p>
             <a:fld id="{FB30EDBD-1C2D-4C1E-B459-B60219FAB484}" type="datetimeFigureOut">
               <a:rPr lang="ko-KR" altLang="en-US" smtClean="0"/>
-              <a:t>2015-04-22</a:t>
+              <a:t>2015-05-11</a:t>
             </a:fld>
             <a:endParaRPr lang="ko-KR" altLang="en-US"/>
           </a:p>
@@ -1943,7 +1946,7 @@
           <a:p>
             <a:fld id="{FB30EDBD-1C2D-4C1E-B459-B60219FAB484}" type="datetimeFigureOut">
               <a:rPr lang="ko-KR" altLang="en-US" smtClean="0"/>
-              <a:t>2015-04-22</a:t>
+              <a:t>2015-05-11</a:t>
             </a:fld>
             <a:endParaRPr lang="ko-KR" altLang="en-US"/>
           </a:p>
@@ -2215,7 +2218,7 @@
           <a:p>
             <a:fld id="{FB30EDBD-1C2D-4C1E-B459-B60219FAB484}" type="datetimeFigureOut">
               <a:rPr lang="ko-KR" altLang="en-US" smtClean="0"/>
-              <a:t>2015-04-22</a:t>
+              <a:t>2015-05-11</a:t>
             </a:fld>
             <a:endParaRPr lang="ko-KR" altLang="en-US"/>
           </a:p>
@@ -2463,7 +2466,7 @@
           <a:p>
             <a:fld id="{FB30EDBD-1C2D-4C1E-B459-B60219FAB484}" type="datetimeFigureOut">
               <a:rPr lang="ko-KR" altLang="en-US" smtClean="0"/>
-              <a:t>2015-04-22</a:t>
+              <a:t>2015-05-11</a:t>
             </a:fld>
             <a:endParaRPr lang="ko-KR" altLang="en-US"/>
           </a:p>
@@ -2671,7 +2674,7 @@
           <a:p>
             <a:fld id="{FB30EDBD-1C2D-4C1E-B459-B60219FAB484}" type="datetimeFigureOut">
               <a:rPr lang="ko-KR" altLang="en-US" smtClean="0"/>
-              <a:t>2015-04-22</a:t>
+              <a:t>2015-05-11</a:t>
             </a:fld>
             <a:endParaRPr lang="ko-KR" altLang="en-US"/>
           </a:p>
@@ -3108,6 +3111,179 @@
   <p:clrMapOvr>
     <a:masterClrMapping/>
   </p:clrMapOvr>
+  <p:timing>
+    <p:tnLst>
+      <p:par>
+        <p:cTn id="1" dur="indefinite" restart="never" nodeType="tmRoot"/>
+      </p:par>
+    </p:tnLst>
+  </p:timing>
+</p:sld>
+</file>
+
+<file path=ppt/slides/slide10.xml><?xml version="1.0" encoding="utf-8"?>
+<p:sld xmlns:a="http://schemas.openxmlformats.org/drawingml/2006/main" xmlns:r="http://schemas.openxmlformats.org/officeDocument/2006/relationships" xmlns:p="http://schemas.openxmlformats.org/presentationml/2006/main">
+  <p:cSld>
+    <p:spTree>
+      <p:nvGrpSpPr>
+        <p:cNvPr id="1" name=""/>
+        <p:cNvGrpSpPr/>
+        <p:nvPr/>
+      </p:nvGrpSpPr>
+      <p:grpSpPr>
+        <a:xfrm>
+          <a:off x="0" y="0"/>
+          <a:ext cx="0" cy="0"/>
+          <a:chOff x="0" y="0"/>
+          <a:chExt cx="0" cy="0"/>
+        </a:xfrm>
+      </p:grpSpPr>
+      <p:sp>
+        <p:nvSpPr>
+          <p:cNvPr id="2" name="제목 1"/>
+          <p:cNvSpPr>
+            <a:spLocks noGrp="1"/>
+          </p:cNvSpPr>
+          <p:nvPr>
+            <p:ph type="title"/>
+          </p:nvPr>
+        </p:nvSpPr>
+        <p:spPr/>
+        <p:txBody>
+          <a:bodyPr/>
+          <a:lstStyle/>
+          <a:p>
+            <a:r>
+              <a:rPr lang="ko-KR" altLang="en-US" dirty="0" err="1" smtClean="0"/>
+              <a:t>샵</a:t>
+            </a:r>
+            <a:r>
+              <a:rPr lang="ko-KR" altLang="en-US" dirty="0" smtClean="0"/>
+              <a:t> 리스트</a:t>
+            </a:r>
+            <a:r>
+              <a:rPr lang="en-US" altLang="ko-KR" dirty="0" smtClean="0"/>
+              <a:t>(3)</a:t>
+            </a:r>
+            <a:endParaRPr lang="ko-KR" altLang="en-US" dirty="0"/>
+          </a:p>
+        </p:txBody>
+      </p:sp>
+      <p:sp>
+        <p:nvSpPr>
+          <p:cNvPr id="3" name="내용 개체 틀 2"/>
+          <p:cNvSpPr>
+            <a:spLocks noGrp="1"/>
+          </p:cNvSpPr>
+          <p:nvPr>
+            <p:ph idx="1"/>
+          </p:nvPr>
+        </p:nvSpPr>
+        <p:spPr/>
+        <p:txBody>
+          <a:bodyPr/>
+          <a:lstStyle/>
+          <a:p>
+            <a:r>
+              <a:rPr lang="ko-KR" altLang="en-US" dirty="0" err="1" smtClean="0"/>
+              <a:t>샵</a:t>
+            </a:r>
+            <a:r>
+              <a:rPr lang="ko-KR" altLang="en-US" dirty="0" smtClean="0"/>
+              <a:t> 리스트 테이블</a:t>
+            </a:r>
+            <a:endParaRPr lang="en-US" altLang="ko-KR" dirty="0" smtClean="0"/>
+          </a:p>
+          <a:p>
+            <a:pPr lvl="1"/>
+            <a:r>
+              <a:rPr lang="ko-KR" altLang="en-US" dirty="0" err="1" smtClean="0"/>
+              <a:t>테이블명</a:t>
+            </a:r>
+            <a:r>
+              <a:rPr lang="ko-KR" altLang="en-US" dirty="0" smtClean="0"/>
+              <a:t> </a:t>
+            </a:r>
+            <a:r>
+              <a:rPr lang="en-US" altLang="ko-KR" dirty="0" smtClean="0"/>
+              <a:t>: </a:t>
+            </a:r>
+            <a:r>
+              <a:rPr lang="ko-KR" altLang="en-US" dirty="0" err="1" smtClean="0"/>
+              <a:t>타투종류</a:t>
+            </a:r>
+            <a:r>
+              <a:rPr lang="en-US" altLang="ko-KR" dirty="0" smtClean="0"/>
+              <a:t>_TB</a:t>
+            </a:r>
+          </a:p>
+          <a:p>
+            <a:pPr lvl="1"/>
+            <a:r>
+              <a:rPr lang="ko-KR" altLang="en-US" dirty="0" err="1" smtClean="0"/>
+              <a:t>컬럼</a:t>
+            </a:r>
+            <a:r>
+              <a:rPr lang="ko-KR" altLang="en-US" dirty="0" smtClean="0"/>
+              <a:t> </a:t>
+            </a:r>
+            <a:r>
+              <a:rPr lang="en-US" altLang="ko-KR" dirty="0" smtClean="0"/>
+              <a:t>: ID, </a:t>
+            </a:r>
+            <a:r>
+              <a:rPr lang="ko-KR" altLang="en-US" dirty="0" err="1" smtClean="0"/>
+              <a:t>샵이름</a:t>
+            </a:r>
+            <a:r>
+              <a:rPr lang="en-US" altLang="ko-KR" dirty="0" smtClean="0"/>
+              <a:t>, </a:t>
+            </a:r>
+            <a:r>
+              <a:rPr lang="ko-KR" altLang="en-US" dirty="0" smtClean="0"/>
+              <a:t>지역</a:t>
+            </a:r>
+            <a:r>
+              <a:rPr lang="en-US" altLang="ko-KR" dirty="0" smtClean="0"/>
+              <a:t>, </a:t>
+            </a:r>
+            <a:r>
+              <a:rPr lang="ko-KR" altLang="en-US" dirty="0" smtClean="0"/>
+              <a:t>리뷰 수</a:t>
+            </a:r>
+            <a:r>
+              <a:rPr lang="en-US" altLang="ko-KR" dirty="0" smtClean="0"/>
+              <a:t>, </a:t>
+            </a:r>
+            <a:r>
+              <a:rPr lang="ko-KR" altLang="en-US" dirty="0" smtClean="0"/>
+              <a:t>로고</a:t>
+            </a:r>
+            <a:r>
+              <a:rPr lang="en-US" altLang="ko-KR" dirty="0" err="1" smtClean="0"/>
+              <a:t>img</a:t>
+            </a:r>
+            <a:endParaRPr lang="en-US" altLang="ko-KR" dirty="0" smtClean="0"/>
+          </a:p>
+        </p:txBody>
+      </p:sp>
+    </p:spTree>
+    <p:extLst>
+      <p:ext uri="{BB962C8B-B14F-4D97-AF65-F5344CB8AC3E}">
+        <p14:creationId xmlns:p14="http://schemas.microsoft.com/office/powerpoint/2010/main" val="1540957659"/>
+      </p:ext>
+    </p:extLst>
+  </p:cSld>
+  <p:clrMapOvr>
+    <a:masterClrMapping/>
+  </p:clrMapOvr>
+  <p:timing>
+    <p:tnLst>
+      <p:par>
+        <p:cTn id="1" dur="indefinite" restart="never" nodeType="tmRoot"/>
+      </p:par>
+    </p:tnLst>
+  </p:timing>
 </p:sld>
 </file>
 
@@ -4974,6 +5150,13 @@
   <p:clrMapOvr>
     <a:masterClrMapping/>
   </p:clrMapOvr>
+  <p:timing>
+    <p:tnLst>
+      <p:par>
+        <p:cTn id="1" dur="indefinite" restart="never" nodeType="tmRoot"/>
+      </p:par>
+    </p:tnLst>
+  </p:timing>
 </p:sld>
 </file>
 
@@ -5251,6 +5434,13 @@
   <p:clrMapOvr>
     <a:masterClrMapping/>
   </p:clrMapOvr>
+  <p:timing>
+    <p:tnLst>
+      <p:par>
+        <p:cTn id="1" dur="indefinite" restart="never" nodeType="tmRoot"/>
+      </p:par>
+    </p:tnLst>
+  </p:timing>
 </p:sld>
 </file>
 
@@ -5552,6 +5742,13 @@
   <p:clrMapOvr>
     <a:masterClrMapping/>
   </p:clrMapOvr>
+  <p:timing>
+    <p:tnLst>
+      <p:par>
+        <p:cTn id="1" dur="indefinite" restart="never" nodeType="tmRoot"/>
+      </p:par>
+    </p:tnLst>
+  </p:timing>
 </p:sld>
 </file>
 
@@ -6071,6 +6268,13 @@
   <p:clrMapOvr>
     <a:masterClrMapping/>
   </p:clrMapOvr>
+  <p:timing>
+    <p:tnLst>
+      <p:par>
+        <p:cTn id="1" dur="indefinite" restart="never" nodeType="tmRoot"/>
+      </p:par>
+    </p:tnLst>
+  </p:timing>
 </p:sld>
 </file>
 
@@ -6374,6 +6578,1110 @@
   <p:clrMapOvr>
     <a:masterClrMapping/>
   </p:clrMapOvr>
+  <p:timing>
+    <p:tnLst>
+      <p:par>
+        <p:cTn id="1" dur="indefinite" restart="never" nodeType="tmRoot"/>
+      </p:par>
+    </p:tnLst>
+  </p:timing>
+</p:sld>
+</file>
+
+<file path=ppt/slides/slide8.xml><?xml version="1.0" encoding="utf-8"?>
+<p:sld xmlns:a="http://schemas.openxmlformats.org/drawingml/2006/main" xmlns:r="http://schemas.openxmlformats.org/officeDocument/2006/relationships" xmlns:p="http://schemas.openxmlformats.org/presentationml/2006/main">
+  <p:cSld>
+    <p:spTree>
+      <p:nvGrpSpPr>
+        <p:cNvPr id="1" name=""/>
+        <p:cNvGrpSpPr/>
+        <p:nvPr/>
+      </p:nvGrpSpPr>
+      <p:grpSpPr>
+        <a:xfrm>
+          <a:off x="0" y="0"/>
+          <a:ext cx="0" cy="0"/>
+          <a:chOff x="0" y="0"/>
+          <a:chExt cx="0" cy="0"/>
+        </a:xfrm>
+      </p:grpSpPr>
+      <p:sp>
+        <p:nvSpPr>
+          <p:cNvPr id="2" name="제목 1"/>
+          <p:cNvSpPr>
+            <a:spLocks noGrp="1"/>
+          </p:cNvSpPr>
+          <p:nvPr>
+            <p:ph type="title"/>
+          </p:nvPr>
+        </p:nvSpPr>
+        <p:spPr/>
+        <p:txBody>
+          <a:bodyPr/>
+          <a:lstStyle/>
+          <a:p>
+            <a:r>
+              <a:rPr lang="ko-KR" altLang="en-US" dirty="0" err="1" smtClean="0"/>
+              <a:t>샵</a:t>
+            </a:r>
+            <a:r>
+              <a:rPr lang="ko-KR" altLang="en-US" dirty="0" smtClean="0"/>
+              <a:t> 리스트</a:t>
+            </a:r>
+            <a:r>
+              <a:rPr lang="en-US" altLang="ko-KR" dirty="0" smtClean="0"/>
+              <a:t>(1)</a:t>
+            </a:r>
+            <a:endParaRPr lang="ko-KR" altLang="en-US" dirty="0"/>
+          </a:p>
+        </p:txBody>
+      </p:sp>
+      <p:sp>
+        <p:nvSpPr>
+          <p:cNvPr id="3" name="내용 개체 틀 2"/>
+          <p:cNvSpPr>
+            <a:spLocks noGrp="1"/>
+          </p:cNvSpPr>
+          <p:nvPr>
+            <p:ph idx="1"/>
+          </p:nvPr>
+        </p:nvSpPr>
+        <p:spPr/>
+        <p:txBody>
+          <a:bodyPr/>
+          <a:lstStyle/>
+          <a:p>
+            <a:r>
+              <a:rPr lang="en-US" altLang="ko-KR" dirty="0" smtClean="0"/>
+              <a:t>PC</a:t>
+            </a:r>
+            <a:endParaRPr lang="ko-KR" altLang="en-US" dirty="0"/>
+          </a:p>
+        </p:txBody>
+      </p:sp>
+      <p:sp>
+        <p:nvSpPr>
+          <p:cNvPr id="4" name="직사각형 3"/>
+          <p:cNvSpPr/>
+          <p:nvPr/>
+        </p:nvSpPr>
+        <p:spPr>
+          <a:xfrm>
+            <a:off x="1043608" y="2348880"/>
+            <a:ext cx="6984776" cy="4392488"/>
+          </a:xfrm>
+          <a:prstGeom prst="rect">
+            <a:avLst/>
+          </a:prstGeom>
+          <a:noFill/>
+        </p:spPr>
+        <p:style>
+          <a:lnRef idx="2">
+            <a:schemeClr val="accent1">
+              <a:shade val="50000"/>
+            </a:schemeClr>
+          </a:lnRef>
+          <a:fillRef idx="1">
+            <a:schemeClr val="accent1"/>
+          </a:fillRef>
+          <a:effectRef idx="0">
+            <a:schemeClr val="accent1"/>
+          </a:effectRef>
+          <a:fontRef idx="minor">
+            <a:schemeClr val="lt1"/>
+          </a:fontRef>
+        </p:style>
+        <p:txBody>
+          <a:bodyPr rtlCol="0" anchor="ctr"/>
+          <a:lstStyle/>
+          <a:p>
+            <a:pPr algn="ctr"/>
+            <a:endParaRPr lang="ko-KR" altLang="en-US"/>
+          </a:p>
+        </p:txBody>
+      </p:sp>
+      <p:sp>
+        <p:nvSpPr>
+          <p:cNvPr id="5" name="직사각형 4"/>
+          <p:cNvSpPr/>
+          <p:nvPr/>
+        </p:nvSpPr>
+        <p:spPr>
+          <a:xfrm>
+            <a:off x="1364459" y="2564904"/>
+            <a:ext cx="6336704" cy="432048"/>
+          </a:xfrm>
+          <a:prstGeom prst="rect">
+            <a:avLst/>
+          </a:prstGeom>
+          <a:noFill/>
+        </p:spPr>
+        <p:style>
+          <a:lnRef idx="2">
+            <a:schemeClr val="accent1">
+              <a:shade val="50000"/>
+            </a:schemeClr>
+          </a:lnRef>
+          <a:fillRef idx="1">
+            <a:schemeClr val="accent1"/>
+          </a:fillRef>
+          <a:effectRef idx="0">
+            <a:schemeClr val="accent1"/>
+          </a:effectRef>
+          <a:fontRef idx="minor">
+            <a:schemeClr val="lt1"/>
+          </a:fontRef>
+        </p:style>
+        <p:txBody>
+          <a:bodyPr rtlCol="0" anchor="ctr"/>
+          <a:lstStyle/>
+          <a:p>
+            <a:r>
+              <a:rPr lang="en-US" altLang="ko-KR" dirty="0" smtClean="0">
+                <a:solidFill>
+                  <a:schemeClr val="tx2"/>
+                </a:solidFill>
+              </a:rPr>
+              <a:t>	</a:t>
+            </a:r>
+            <a:r>
+              <a:rPr lang="ko-KR" altLang="en-US" dirty="0" smtClean="0">
+                <a:solidFill>
+                  <a:schemeClr val="tx2"/>
+                </a:solidFill>
+              </a:rPr>
+              <a:t>로고</a:t>
+            </a:r>
+            <a:endParaRPr lang="ko-KR" altLang="en-US" dirty="0">
+              <a:solidFill>
+                <a:schemeClr val="tx2"/>
+              </a:solidFill>
+            </a:endParaRPr>
+          </a:p>
+        </p:txBody>
+      </p:sp>
+      <p:sp>
+        <p:nvSpPr>
+          <p:cNvPr id="6" name="직사각형 5"/>
+          <p:cNvSpPr/>
+          <p:nvPr/>
+        </p:nvSpPr>
+        <p:spPr>
+          <a:xfrm>
+            <a:off x="5833475" y="2564904"/>
+            <a:ext cx="890269" cy="216024"/>
+          </a:xfrm>
+          <a:prstGeom prst="rect">
+            <a:avLst/>
+          </a:prstGeom>
+          <a:noFill/>
+        </p:spPr>
+        <p:style>
+          <a:lnRef idx="2">
+            <a:schemeClr val="accent1">
+              <a:shade val="50000"/>
+            </a:schemeClr>
+          </a:lnRef>
+          <a:fillRef idx="1">
+            <a:schemeClr val="accent1"/>
+          </a:fillRef>
+          <a:effectRef idx="0">
+            <a:schemeClr val="accent1"/>
+          </a:effectRef>
+          <a:fontRef idx="minor">
+            <a:schemeClr val="lt1"/>
+          </a:fontRef>
+        </p:style>
+        <p:txBody>
+          <a:bodyPr rtlCol="0" anchor="ctr"/>
+          <a:lstStyle/>
+          <a:p>
+            <a:pPr algn="ctr"/>
+            <a:r>
+              <a:rPr lang="ko-KR" altLang="en-US" sz="1400" dirty="0" smtClean="0">
+                <a:solidFill>
+                  <a:schemeClr val="tx2"/>
+                </a:solidFill>
+              </a:rPr>
+              <a:t>로그인</a:t>
+            </a:r>
+            <a:endParaRPr lang="ko-KR" altLang="en-US" sz="1400" dirty="0">
+              <a:solidFill>
+                <a:schemeClr val="tx2"/>
+              </a:solidFill>
+            </a:endParaRPr>
+          </a:p>
+        </p:txBody>
+      </p:sp>
+      <p:sp>
+        <p:nvSpPr>
+          <p:cNvPr id="7" name="직사각형 6"/>
+          <p:cNvSpPr/>
+          <p:nvPr/>
+        </p:nvSpPr>
+        <p:spPr>
+          <a:xfrm>
+            <a:off x="6723744" y="2564904"/>
+            <a:ext cx="977419" cy="216024"/>
+          </a:xfrm>
+          <a:prstGeom prst="rect">
+            <a:avLst/>
+          </a:prstGeom>
+          <a:noFill/>
+        </p:spPr>
+        <p:style>
+          <a:lnRef idx="2">
+            <a:schemeClr val="accent1">
+              <a:shade val="50000"/>
+            </a:schemeClr>
+          </a:lnRef>
+          <a:fillRef idx="1">
+            <a:schemeClr val="accent1"/>
+          </a:fillRef>
+          <a:effectRef idx="0">
+            <a:schemeClr val="accent1"/>
+          </a:effectRef>
+          <a:fontRef idx="minor">
+            <a:schemeClr val="lt1"/>
+          </a:fontRef>
+        </p:style>
+        <p:txBody>
+          <a:bodyPr rtlCol="0" anchor="ctr"/>
+          <a:lstStyle/>
+          <a:p>
+            <a:pPr algn="ctr"/>
+            <a:r>
+              <a:rPr lang="ko-KR" altLang="en-US" sz="1400" dirty="0" smtClean="0">
+                <a:solidFill>
+                  <a:schemeClr val="tx2"/>
+                </a:solidFill>
+              </a:rPr>
+              <a:t>회원가</a:t>
+            </a:r>
+            <a:r>
+              <a:rPr lang="ko-KR" altLang="en-US" sz="1400" dirty="0">
+                <a:solidFill>
+                  <a:schemeClr val="tx2"/>
+                </a:solidFill>
+              </a:rPr>
+              <a:t>입</a:t>
+            </a:r>
+            <a:endParaRPr lang="ko-KR" altLang="en-US" dirty="0">
+              <a:solidFill>
+                <a:schemeClr val="tx2"/>
+              </a:solidFill>
+            </a:endParaRPr>
+          </a:p>
+        </p:txBody>
+      </p:sp>
+      <p:sp>
+        <p:nvSpPr>
+          <p:cNvPr id="8" name="직사각형 7"/>
+          <p:cNvSpPr/>
+          <p:nvPr/>
+        </p:nvSpPr>
+        <p:spPr>
+          <a:xfrm>
+            <a:off x="1364459" y="2996952"/>
+            <a:ext cx="6336704" cy="354482"/>
+          </a:xfrm>
+          <a:prstGeom prst="rect">
+            <a:avLst/>
+          </a:prstGeom>
+          <a:solidFill>
+            <a:schemeClr val="tx2">
+              <a:lumMod val="20000"/>
+              <a:lumOff val="80000"/>
+            </a:schemeClr>
+          </a:solidFill>
+        </p:spPr>
+        <p:style>
+          <a:lnRef idx="2">
+            <a:schemeClr val="accent1">
+              <a:shade val="50000"/>
+            </a:schemeClr>
+          </a:lnRef>
+          <a:fillRef idx="1">
+            <a:schemeClr val="accent1"/>
+          </a:fillRef>
+          <a:effectRef idx="0">
+            <a:schemeClr val="accent1"/>
+          </a:effectRef>
+          <a:fontRef idx="minor">
+            <a:schemeClr val="lt1"/>
+          </a:fontRef>
+        </p:style>
+        <p:txBody>
+          <a:bodyPr rtlCol="0" anchor="ctr"/>
+          <a:lstStyle/>
+          <a:p>
+            <a:r>
+              <a:rPr lang="en-US" altLang="ko-KR" dirty="0" smtClean="0">
+                <a:solidFill>
+                  <a:schemeClr val="tx2"/>
+                </a:solidFill>
+              </a:rPr>
+              <a:t>	</a:t>
+            </a:r>
+            <a:r>
+              <a:rPr lang="ko-KR" altLang="en-US" dirty="0" err="1" smtClean="0">
+                <a:solidFill>
+                  <a:schemeClr val="tx2"/>
+                </a:solidFill>
+              </a:rPr>
+              <a:t>네비게이션</a:t>
+            </a:r>
+            <a:r>
+              <a:rPr lang="ko-KR" altLang="en-US" dirty="0" smtClean="0">
+                <a:solidFill>
+                  <a:schemeClr val="tx2"/>
+                </a:solidFill>
+              </a:rPr>
+              <a:t> 바</a:t>
+            </a:r>
+            <a:endParaRPr lang="ko-KR" altLang="en-US" dirty="0">
+              <a:solidFill>
+                <a:schemeClr val="tx2"/>
+              </a:solidFill>
+            </a:endParaRPr>
+          </a:p>
+        </p:txBody>
+      </p:sp>
+      <p:sp>
+        <p:nvSpPr>
+          <p:cNvPr id="9" name="직사각형 8"/>
+          <p:cNvSpPr/>
+          <p:nvPr/>
+        </p:nvSpPr>
+        <p:spPr>
+          <a:xfrm>
+            <a:off x="1364459" y="3351434"/>
+            <a:ext cx="6336704" cy="2885878"/>
+          </a:xfrm>
+          <a:prstGeom prst="rect">
+            <a:avLst/>
+          </a:prstGeom>
+          <a:noFill/>
+        </p:spPr>
+        <p:style>
+          <a:lnRef idx="2">
+            <a:schemeClr val="accent1">
+              <a:shade val="50000"/>
+            </a:schemeClr>
+          </a:lnRef>
+          <a:fillRef idx="1">
+            <a:schemeClr val="accent1"/>
+          </a:fillRef>
+          <a:effectRef idx="0">
+            <a:schemeClr val="accent1"/>
+          </a:effectRef>
+          <a:fontRef idx="minor">
+            <a:schemeClr val="lt1"/>
+          </a:fontRef>
+        </p:style>
+        <p:txBody>
+          <a:bodyPr rtlCol="0" anchor="ctr"/>
+          <a:lstStyle/>
+          <a:p>
+            <a:endParaRPr lang="ko-KR" altLang="en-US" dirty="0">
+              <a:solidFill>
+                <a:schemeClr val="tx2"/>
+              </a:solidFill>
+            </a:endParaRPr>
+          </a:p>
+        </p:txBody>
+      </p:sp>
+      <p:sp>
+        <p:nvSpPr>
+          <p:cNvPr id="10" name="직사각형 9"/>
+          <p:cNvSpPr/>
+          <p:nvPr/>
+        </p:nvSpPr>
+        <p:spPr>
+          <a:xfrm>
+            <a:off x="1364459" y="6237312"/>
+            <a:ext cx="6336704" cy="354482"/>
+          </a:xfrm>
+          <a:prstGeom prst="rect">
+            <a:avLst/>
+          </a:prstGeom>
+          <a:solidFill>
+            <a:schemeClr val="tx2">
+              <a:lumMod val="20000"/>
+              <a:lumOff val="80000"/>
+            </a:schemeClr>
+          </a:solidFill>
+        </p:spPr>
+        <p:style>
+          <a:lnRef idx="2">
+            <a:schemeClr val="accent1">
+              <a:shade val="50000"/>
+            </a:schemeClr>
+          </a:lnRef>
+          <a:fillRef idx="1">
+            <a:schemeClr val="accent1"/>
+          </a:fillRef>
+          <a:effectRef idx="0">
+            <a:schemeClr val="accent1"/>
+          </a:effectRef>
+          <a:fontRef idx="minor">
+            <a:schemeClr val="lt1"/>
+          </a:fontRef>
+        </p:style>
+        <p:txBody>
+          <a:bodyPr rtlCol="0" anchor="ctr"/>
+          <a:lstStyle/>
+          <a:p>
+            <a:r>
+              <a:rPr lang="en-US" altLang="ko-KR" dirty="0" smtClean="0">
+                <a:solidFill>
+                  <a:schemeClr val="tx2"/>
+                </a:solidFill>
+              </a:rPr>
+              <a:t>	</a:t>
+            </a:r>
+            <a:endParaRPr lang="ko-KR" altLang="en-US" dirty="0">
+              <a:solidFill>
+                <a:schemeClr val="tx2"/>
+              </a:solidFill>
+            </a:endParaRPr>
+          </a:p>
+        </p:txBody>
+      </p:sp>
+      <p:sp>
+        <p:nvSpPr>
+          <p:cNvPr id="11" name="직사각형 10"/>
+          <p:cNvSpPr/>
+          <p:nvPr/>
+        </p:nvSpPr>
+        <p:spPr>
+          <a:xfrm>
+            <a:off x="1763688" y="3717032"/>
+            <a:ext cx="1440160" cy="828092"/>
+          </a:xfrm>
+          <a:prstGeom prst="rect">
+            <a:avLst/>
+          </a:prstGeom>
+          <a:noFill/>
+        </p:spPr>
+        <p:style>
+          <a:lnRef idx="2">
+            <a:schemeClr val="accent1">
+              <a:shade val="50000"/>
+            </a:schemeClr>
+          </a:lnRef>
+          <a:fillRef idx="1">
+            <a:schemeClr val="accent1"/>
+          </a:fillRef>
+          <a:effectRef idx="0">
+            <a:schemeClr val="accent1"/>
+          </a:effectRef>
+          <a:fontRef idx="minor">
+            <a:schemeClr val="lt1"/>
+          </a:fontRef>
+        </p:style>
+        <p:txBody>
+          <a:bodyPr rtlCol="0" anchor="ctr"/>
+          <a:lstStyle/>
+          <a:p>
+            <a:pPr algn="ctr"/>
+            <a:r>
+              <a:rPr lang="ko-KR" altLang="en-US" dirty="0" err="1" smtClean="0">
+                <a:solidFill>
+                  <a:schemeClr val="tx2"/>
+                </a:solidFill>
+              </a:rPr>
+              <a:t>샵</a:t>
+            </a:r>
+            <a:r>
+              <a:rPr lang="en-US" altLang="ko-KR" dirty="0" smtClean="0">
+                <a:solidFill>
+                  <a:schemeClr val="tx2"/>
+                </a:solidFill>
+              </a:rPr>
+              <a:t>#1</a:t>
+            </a:r>
+            <a:endParaRPr lang="ko-KR" altLang="en-US" dirty="0">
+              <a:solidFill>
+                <a:schemeClr val="tx2"/>
+              </a:solidFill>
+            </a:endParaRPr>
+          </a:p>
+        </p:txBody>
+      </p:sp>
+      <p:sp>
+        <p:nvSpPr>
+          <p:cNvPr id="12" name="직사각형 11"/>
+          <p:cNvSpPr/>
+          <p:nvPr/>
+        </p:nvSpPr>
+        <p:spPr>
+          <a:xfrm>
+            <a:off x="3812731" y="3717032"/>
+            <a:ext cx="1440160" cy="828092"/>
+          </a:xfrm>
+          <a:prstGeom prst="rect">
+            <a:avLst/>
+          </a:prstGeom>
+          <a:noFill/>
+        </p:spPr>
+        <p:style>
+          <a:lnRef idx="2">
+            <a:schemeClr val="accent1">
+              <a:shade val="50000"/>
+            </a:schemeClr>
+          </a:lnRef>
+          <a:fillRef idx="1">
+            <a:schemeClr val="accent1"/>
+          </a:fillRef>
+          <a:effectRef idx="0">
+            <a:schemeClr val="accent1"/>
+          </a:effectRef>
+          <a:fontRef idx="minor">
+            <a:schemeClr val="lt1"/>
+          </a:fontRef>
+        </p:style>
+        <p:txBody>
+          <a:bodyPr rtlCol="0" anchor="ctr"/>
+          <a:lstStyle/>
+          <a:p>
+            <a:pPr algn="ctr"/>
+            <a:r>
+              <a:rPr lang="ko-KR" altLang="en-US" dirty="0" err="1" smtClean="0">
+                <a:solidFill>
+                  <a:schemeClr val="tx2"/>
+                </a:solidFill>
+              </a:rPr>
+              <a:t>샵</a:t>
+            </a:r>
+            <a:r>
+              <a:rPr lang="en-US" altLang="ko-KR" dirty="0" smtClean="0">
+                <a:solidFill>
+                  <a:schemeClr val="tx2"/>
+                </a:solidFill>
+              </a:rPr>
+              <a:t>#2</a:t>
+            </a:r>
+            <a:endParaRPr lang="ko-KR" altLang="en-US" dirty="0">
+              <a:solidFill>
+                <a:schemeClr val="tx2"/>
+              </a:solidFill>
+            </a:endParaRPr>
+          </a:p>
+        </p:txBody>
+      </p:sp>
+      <p:sp>
+        <p:nvSpPr>
+          <p:cNvPr id="13" name="직사각형 12"/>
+          <p:cNvSpPr/>
+          <p:nvPr/>
+        </p:nvSpPr>
+        <p:spPr>
+          <a:xfrm>
+            <a:off x="5833475" y="3717032"/>
+            <a:ext cx="1440160" cy="828092"/>
+          </a:xfrm>
+          <a:prstGeom prst="rect">
+            <a:avLst/>
+          </a:prstGeom>
+          <a:noFill/>
+        </p:spPr>
+        <p:style>
+          <a:lnRef idx="2">
+            <a:schemeClr val="accent1">
+              <a:shade val="50000"/>
+            </a:schemeClr>
+          </a:lnRef>
+          <a:fillRef idx="1">
+            <a:schemeClr val="accent1"/>
+          </a:fillRef>
+          <a:effectRef idx="0">
+            <a:schemeClr val="accent1"/>
+          </a:effectRef>
+          <a:fontRef idx="minor">
+            <a:schemeClr val="lt1"/>
+          </a:fontRef>
+        </p:style>
+        <p:txBody>
+          <a:bodyPr rtlCol="0" anchor="ctr"/>
+          <a:lstStyle/>
+          <a:p>
+            <a:pPr algn="ctr"/>
+            <a:r>
+              <a:rPr lang="ko-KR" altLang="en-US" dirty="0" err="1" smtClean="0">
+                <a:solidFill>
+                  <a:schemeClr val="tx2"/>
+                </a:solidFill>
+              </a:rPr>
+              <a:t>샵</a:t>
+            </a:r>
+            <a:r>
+              <a:rPr lang="en-US" altLang="ko-KR" dirty="0" smtClean="0">
+                <a:solidFill>
+                  <a:schemeClr val="tx2"/>
+                </a:solidFill>
+              </a:rPr>
+              <a:t>#3</a:t>
+            </a:r>
+            <a:endParaRPr lang="ko-KR" altLang="en-US" dirty="0">
+              <a:solidFill>
+                <a:schemeClr val="tx2"/>
+              </a:solidFill>
+            </a:endParaRPr>
+          </a:p>
+        </p:txBody>
+      </p:sp>
+      <p:sp>
+        <p:nvSpPr>
+          <p:cNvPr id="14" name="직사각형 13"/>
+          <p:cNvSpPr/>
+          <p:nvPr/>
+        </p:nvSpPr>
+        <p:spPr>
+          <a:xfrm>
+            <a:off x="1763688" y="4809061"/>
+            <a:ext cx="1440160" cy="828092"/>
+          </a:xfrm>
+          <a:prstGeom prst="rect">
+            <a:avLst/>
+          </a:prstGeom>
+          <a:noFill/>
+        </p:spPr>
+        <p:style>
+          <a:lnRef idx="2">
+            <a:schemeClr val="accent1">
+              <a:shade val="50000"/>
+            </a:schemeClr>
+          </a:lnRef>
+          <a:fillRef idx="1">
+            <a:schemeClr val="accent1"/>
+          </a:fillRef>
+          <a:effectRef idx="0">
+            <a:schemeClr val="accent1"/>
+          </a:effectRef>
+          <a:fontRef idx="minor">
+            <a:schemeClr val="lt1"/>
+          </a:fontRef>
+        </p:style>
+        <p:txBody>
+          <a:bodyPr rtlCol="0" anchor="ctr"/>
+          <a:lstStyle/>
+          <a:p>
+            <a:pPr algn="ctr"/>
+            <a:r>
+              <a:rPr lang="ko-KR" altLang="en-US" dirty="0" err="1" smtClean="0">
+                <a:solidFill>
+                  <a:schemeClr val="tx2"/>
+                </a:solidFill>
+              </a:rPr>
+              <a:t>샵</a:t>
+            </a:r>
+            <a:r>
+              <a:rPr lang="en-US" altLang="ko-KR" dirty="0" smtClean="0">
+                <a:solidFill>
+                  <a:schemeClr val="tx2"/>
+                </a:solidFill>
+              </a:rPr>
+              <a:t>#4</a:t>
+            </a:r>
+            <a:endParaRPr lang="ko-KR" altLang="en-US" dirty="0">
+              <a:solidFill>
+                <a:schemeClr val="tx2"/>
+              </a:solidFill>
+            </a:endParaRPr>
+          </a:p>
+        </p:txBody>
+      </p:sp>
+      <p:sp>
+        <p:nvSpPr>
+          <p:cNvPr id="15" name="직사각형 14"/>
+          <p:cNvSpPr/>
+          <p:nvPr/>
+        </p:nvSpPr>
+        <p:spPr>
+          <a:xfrm>
+            <a:off x="3812731" y="4809061"/>
+            <a:ext cx="1440160" cy="828092"/>
+          </a:xfrm>
+          <a:prstGeom prst="rect">
+            <a:avLst/>
+          </a:prstGeom>
+          <a:noFill/>
+        </p:spPr>
+        <p:style>
+          <a:lnRef idx="2">
+            <a:schemeClr val="accent1">
+              <a:shade val="50000"/>
+            </a:schemeClr>
+          </a:lnRef>
+          <a:fillRef idx="1">
+            <a:schemeClr val="accent1"/>
+          </a:fillRef>
+          <a:effectRef idx="0">
+            <a:schemeClr val="accent1"/>
+          </a:effectRef>
+          <a:fontRef idx="minor">
+            <a:schemeClr val="lt1"/>
+          </a:fontRef>
+        </p:style>
+        <p:txBody>
+          <a:bodyPr rtlCol="0" anchor="ctr"/>
+          <a:lstStyle/>
+          <a:p>
+            <a:pPr algn="ctr"/>
+            <a:r>
+              <a:rPr lang="ko-KR" altLang="en-US" dirty="0" err="1" smtClean="0">
+                <a:solidFill>
+                  <a:schemeClr val="tx2"/>
+                </a:solidFill>
+              </a:rPr>
+              <a:t>샵</a:t>
+            </a:r>
+            <a:r>
+              <a:rPr lang="en-US" altLang="ko-KR" dirty="0" smtClean="0">
+                <a:solidFill>
+                  <a:schemeClr val="tx2"/>
+                </a:solidFill>
+              </a:rPr>
+              <a:t>#5</a:t>
+            </a:r>
+            <a:endParaRPr lang="ko-KR" altLang="en-US" dirty="0">
+              <a:solidFill>
+                <a:schemeClr val="tx2"/>
+              </a:solidFill>
+            </a:endParaRPr>
+          </a:p>
+        </p:txBody>
+      </p:sp>
+      <p:sp>
+        <p:nvSpPr>
+          <p:cNvPr id="16" name="직사각형 15"/>
+          <p:cNvSpPr/>
+          <p:nvPr/>
+        </p:nvSpPr>
+        <p:spPr>
+          <a:xfrm>
+            <a:off x="5833475" y="4809061"/>
+            <a:ext cx="1440160" cy="828092"/>
+          </a:xfrm>
+          <a:prstGeom prst="rect">
+            <a:avLst/>
+          </a:prstGeom>
+          <a:noFill/>
+        </p:spPr>
+        <p:style>
+          <a:lnRef idx="2">
+            <a:schemeClr val="accent1">
+              <a:shade val="50000"/>
+            </a:schemeClr>
+          </a:lnRef>
+          <a:fillRef idx="1">
+            <a:schemeClr val="accent1"/>
+          </a:fillRef>
+          <a:effectRef idx="0">
+            <a:schemeClr val="accent1"/>
+          </a:effectRef>
+          <a:fontRef idx="minor">
+            <a:schemeClr val="lt1"/>
+          </a:fontRef>
+        </p:style>
+        <p:txBody>
+          <a:bodyPr rtlCol="0" anchor="ctr"/>
+          <a:lstStyle/>
+          <a:p>
+            <a:pPr algn="ctr"/>
+            <a:r>
+              <a:rPr lang="ko-KR" altLang="en-US" dirty="0" err="1" smtClean="0">
+                <a:solidFill>
+                  <a:schemeClr val="tx2"/>
+                </a:solidFill>
+              </a:rPr>
+              <a:t>샵</a:t>
+            </a:r>
+            <a:r>
+              <a:rPr lang="en-US" altLang="ko-KR" dirty="0" smtClean="0">
+                <a:solidFill>
+                  <a:schemeClr val="tx2"/>
+                </a:solidFill>
+              </a:rPr>
+              <a:t>#6</a:t>
+            </a:r>
+            <a:endParaRPr lang="ko-KR" altLang="en-US" dirty="0">
+              <a:solidFill>
+                <a:schemeClr val="tx2"/>
+              </a:solidFill>
+            </a:endParaRPr>
+          </a:p>
+        </p:txBody>
+      </p:sp>
+      <p:sp>
+        <p:nvSpPr>
+          <p:cNvPr id="17" name="타원 16"/>
+          <p:cNvSpPr/>
+          <p:nvPr/>
+        </p:nvSpPr>
+        <p:spPr>
+          <a:xfrm>
+            <a:off x="4490079" y="5713430"/>
+            <a:ext cx="91834" cy="91834"/>
+          </a:xfrm>
+          <a:prstGeom prst="ellipse">
+            <a:avLst/>
+          </a:prstGeom>
+        </p:spPr>
+        <p:style>
+          <a:lnRef idx="2">
+            <a:schemeClr val="accent1">
+              <a:shade val="50000"/>
+            </a:schemeClr>
+          </a:lnRef>
+          <a:fillRef idx="1">
+            <a:schemeClr val="accent1"/>
+          </a:fillRef>
+          <a:effectRef idx="0">
+            <a:schemeClr val="accent1"/>
+          </a:effectRef>
+          <a:fontRef idx="minor">
+            <a:schemeClr val="lt1"/>
+          </a:fontRef>
+        </p:style>
+        <p:txBody>
+          <a:bodyPr rtlCol="0" anchor="ctr"/>
+          <a:lstStyle/>
+          <a:p>
+            <a:pPr algn="ctr"/>
+            <a:endParaRPr lang="ko-KR" altLang="en-US"/>
+          </a:p>
+        </p:txBody>
+      </p:sp>
+      <p:sp>
+        <p:nvSpPr>
+          <p:cNvPr id="18" name="타원 17"/>
+          <p:cNvSpPr/>
+          <p:nvPr/>
+        </p:nvSpPr>
+        <p:spPr>
+          <a:xfrm>
+            <a:off x="4490079" y="5891127"/>
+            <a:ext cx="91834" cy="91834"/>
+          </a:xfrm>
+          <a:prstGeom prst="ellipse">
+            <a:avLst/>
+          </a:prstGeom>
+        </p:spPr>
+        <p:style>
+          <a:lnRef idx="2">
+            <a:schemeClr val="accent1">
+              <a:shade val="50000"/>
+            </a:schemeClr>
+          </a:lnRef>
+          <a:fillRef idx="1">
+            <a:schemeClr val="accent1"/>
+          </a:fillRef>
+          <a:effectRef idx="0">
+            <a:schemeClr val="accent1"/>
+          </a:effectRef>
+          <a:fontRef idx="minor">
+            <a:schemeClr val="lt1"/>
+          </a:fontRef>
+        </p:style>
+        <p:txBody>
+          <a:bodyPr rtlCol="0" anchor="ctr"/>
+          <a:lstStyle/>
+          <a:p>
+            <a:pPr algn="ctr"/>
+            <a:endParaRPr lang="ko-KR" altLang="en-US"/>
+          </a:p>
+        </p:txBody>
+      </p:sp>
+      <p:sp>
+        <p:nvSpPr>
+          <p:cNvPr id="19" name="타원 18"/>
+          <p:cNvSpPr/>
+          <p:nvPr/>
+        </p:nvSpPr>
+        <p:spPr>
+          <a:xfrm>
+            <a:off x="4490079" y="6070688"/>
+            <a:ext cx="91834" cy="94616"/>
+          </a:xfrm>
+          <a:prstGeom prst="ellipse">
+            <a:avLst/>
+          </a:prstGeom>
+        </p:spPr>
+        <p:style>
+          <a:lnRef idx="2">
+            <a:schemeClr val="accent1">
+              <a:shade val="50000"/>
+            </a:schemeClr>
+          </a:lnRef>
+          <a:fillRef idx="1">
+            <a:schemeClr val="accent1"/>
+          </a:fillRef>
+          <a:effectRef idx="0">
+            <a:schemeClr val="accent1"/>
+          </a:effectRef>
+          <a:fontRef idx="minor">
+            <a:schemeClr val="lt1"/>
+          </a:fontRef>
+        </p:style>
+        <p:txBody>
+          <a:bodyPr rtlCol="0" anchor="ctr"/>
+          <a:lstStyle/>
+          <a:p>
+            <a:pPr algn="ctr"/>
+            <a:endParaRPr lang="ko-KR" altLang="en-US"/>
+          </a:p>
+        </p:txBody>
+      </p:sp>
+    </p:spTree>
+    <p:extLst>
+      <p:ext uri="{BB962C8B-B14F-4D97-AF65-F5344CB8AC3E}">
+        <p14:creationId xmlns:p14="http://schemas.microsoft.com/office/powerpoint/2010/main" val="2116022167"/>
+      </p:ext>
+    </p:extLst>
+  </p:cSld>
+  <p:clrMapOvr>
+    <a:masterClrMapping/>
+  </p:clrMapOvr>
+  <p:timing>
+    <p:tnLst>
+      <p:par>
+        <p:cTn id="1" dur="indefinite" restart="never" nodeType="tmRoot"/>
+      </p:par>
+    </p:tnLst>
+  </p:timing>
+</p:sld>
+</file>
+
+<file path=ppt/slides/slide9.xml><?xml version="1.0" encoding="utf-8"?>
+<p:sld xmlns:a="http://schemas.openxmlformats.org/drawingml/2006/main" xmlns:r="http://schemas.openxmlformats.org/officeDocument/2006/relationships" xmlns:p="http://schemas.openxmlformats.org/presentationml/2006/main">
+  <p:cSld>
+    <p:spTree>
+      <p:nvGrpSpPr>
+        <p:cNvPr id="1" name=""/>
+        <p:cNvGrpSpPr/>
+        <p:nvPr/>
+      </p:nvGrpSpPr>
+      <p:grpSpPr>
+        <a:xfrm>
+          <a:off x="0" y="0"/>
+          <a:ext cx="0" cy="0"/>
+          <a:chOff x="0" y="0"/>
+          <a:chExt cx="0" cy="0"/>
+        </a:xfrm>
+      </p:grpSpPr>
+      <p:sp>
+        <p:nvSpPr>
+          <p:cNvPr id="2" name="제목 1"/>
+          <p:cNvSpPr>
+            <a:spLocks noGrp="1"/>
+          </p:cNvSpPr>
+          <p:nvPr>
+            <p:ph type="title"/>
+          </p:nvPr>
+        </p:nvSpPr>
+        <p:spPr/>
+        <p:txBody>
+          <a:bodyPr/>
+          <a:lstStyle/>
+          <a:p>
+            <a:r>
+              <a:rPr lang="ko-KR" altLang="en-US" dirty="0" err="1" smtClean="0"/>
+              <a:t>샵</a:t>
+            </a:r>
+            <a:r>
+              <a:rPr lang="ko-KR" altLang="en-US" dirty="0" smtClean="0"/>
+              <a:t> 리스트</a:t>
+            </a:r>
+            <a:r>
+              <a:rPr lang="en-US" altLang="ko-KR" dirty="0" smtClean="0"/>
+              <a:t>(2)</a:t>
+            </a:r>
+            <a:endParaRPr lang="ko-KR" altLang="en-US" dirty="0"/>
+          </a:p>
+        </p:txBody>
+      </p:sp>
+      <p:sp>
+        <p:nvSpPr>
+          <p:cNvPr id="3" name="내용 개체 틀 2"/>
+          <p:cNvSpPr>
+            <a:spLocks noGrp="1"/>
+          </p:cNvSpPr>
+          <p:nvPr>
+            <p:ph idx="1"/>
+          </p:nvPr>
+        </p:nvSpPr>
+        <p:spPr/>
+        <p:txBody>
+          <a:bodyPr/>
+          <a:lstStyle/>
+          <a:p>
+            <a:r>
+              <a:rPr lang="ko-KR" altLang="en-US" dirty="0" smtClean="0"/>
+              <a:t>각 </a:t>
+            </a:r>
+            <a:r>
+              <a:rPr lang="ko-KR" altLang="en-US" dirty="0" err="1" smtClean="0"/>
+              <a:t>타투</a:t>
+            </a:r>
+            <a:r>
+              <a:rPr lang="ko-KR" altLang="en-US" dirty="0" smtClean="0"/>
+              <a:t> 종류를 클릭했을 시</a:t>
+            </a:r>
+            <a:endParaRPr lang="en-US" altLang="ko-KR" dirty="0" smtClean="0"/>
+          </a:p>
+          <a:p>
+            <a:r>
+              <a:rPr lang="ko-KR" altLang="en-US" dirty="0" smtClean="0"/>
+              <a:t>종류별로 </a:t>
+            </a:r>
+            <a:r>
+              <a:rPr lang="ko-KR" altLang="en-US" dirty="0" err="1" smtClean="0"/>
+              <a:t>샵</a:t>
+            </a:r>
+            <a:r>
+              <a:rPr lang="ko-KR" altLang="en-US" dirty="0" smtClean="0"/>
+              <a:t> 리스트 출력</a:t>
+            </a:r>
+            <a:endParaRPr lang="en-US" altLang="ko-KR" dirty="0" smtClean="0"/>
+          </a:p>
+          <a:p>
+            <a:r>
+              <a:rPr lang="ko-KR" altLang="en-US" dirty="0" err="1" smtClean="0"/>
+              <a:t>타투</a:t>
+            </a:r>
+            <a:r>
+              <a:rPr lang="ko-KR" altLang="en-US" dirty="0" smtClean="0"/>
+              <a:t> 종류별 테이블 필요</a:t>
+            </a:r>
+            <a:endParaRPr lang="en-US" altLang="ko-KR" dirty="0" smtClean="0"/>
+          </a:p>
+          <a:p>
+            <a:r>
+              <a:rPr lang="en-US" altLang="ko-KR" dirty="0" smtClean="0"/>
+              <a:t>IREZUMI_TB, NEWOLDSCHL_TB, BLACKNGREY_TB, REAL_TB, POINT_TB</a:t>
+            </a:r>
+          </a:p>
+        </p:txBody>
+      </p:sp>
+    </p:spTree>
+    <p:extLst>
+      <p:ext uri="{BB962C8B-B14F-4D97-AF65-F5344CB8AC3E}">
+        <p14:creationId xmlns:p14="http://schemas.microsoft.com/office/powerpoint/2010/main" val="1368811025"/>
+      </p:ext>
+    </p:extLst>
+  </p:cSld>
+  <p:clrMapOvr>
+    <a:masterClrMapping/>
+  </p:clrMapOvr>
+  <p:timing>
+    <p:tnLst>
+      <p:par>
+        <p:cTn id="1" dur="indefinite" restart="never" nodeType="tmRoot"/>
+      </p:par>
+    </p:tnLst>
+  </p:timing>
 </p:sld>
 </file>
 

--- a/docs/ttm DB설계.pptx
+++ b/docs/ttm DB설계.pptx
@@ -15,6 +15,7 @@
     <p:sldId id="264" r:id="rId9"/>
     <p:sldId id="265" r:id="rId10"/>
     <p:sldId id="266" r:id="rId11"/>
+    <p:sldId id="267" r:id="rId12"/>
   </p:sldIdLst>
   <p:sldSz cx="9144000" cy="6858000" type="screen4x3"/>
   <p:notesSz cx="6858000" cy="9144000"/>
@@ -297,7 +298,7 @@
           <a:p>
             <a:fld id="{FB30EDBD-1C2D-4C1E-B459-B60219FAB484}" type="datetimeFigureOut">
               <a:rPr lang="ko-KR" altLang="en-US" smtClean="0"/>
-              <a:t>2015-05-11</a:t>
+              <a:t>2015-05-20</a:t>
             </a:fld>
             <a:endParaRPr lang="ko-KR" altLang="en-US"/>
           </a:p>
@@ -462,7 +463,7 @@
           <a:p>
             <a:fld id="{FB30EDBD-1C2D-4C1E-B459-B60219FAB484}" type="datetimeFigureOut">
               <a:rPr lang="ko-KR" altLang="en-US" smtClean="0"/>
-              <a:t>2015-05-11</a:t>
+              <a:t>2015-05-20</a:t>
             </a:fld>
             <a:endParaRPr lang="ko-KR" altLang="en-US"/>
           </a:p>
@@ -637,7 +638,7 @@
           <a:p>
             <a:fld id="{FB30EDBD-1C2D-4C1E-B459-B60219FAB484}" type="datetimeFigureOut">
               <a:rPr lang="ko-KR" altLang="en-US" smtClean="0"/>
-              <a:t>2015-05-11</a:t>
+              <a:t>2015-05-20</a:t>
             </a:fld>
             <a:endParaRPr lang="ko-KR" altLang="en-US"/>
           </a:p>
@@ -802,7 +803,7 @@
           <a:p>
             <a:fld id="{FB30EDBD-1C2D-4C1E-B459-B60219FAB484}" type="datetimeFigureOut">
               <a:rPr lang="ko-KR" altLang="en-US" smtClean="0"/>
-              <a:t>2015-05-11</a:t>
+              <a:t>2015-05-20</a:t>
             </a:fld>
             <a:endParaRPr lang="ko-KR" altLang="en-US"/>
           </a:p>
@@ -1043,7 +1044,7 @@
           <a:p>
             <a:fld id="{FB30EDBD-1C2D-4C1E-B459-B60219FAB484}" type="datetimeFigureOut">
               <a:rPr lang="ko-KR" altLang="en-US" smtClean="0"/>
-              <a:t>2015-05-11</a:t>
+              <a:t>2015-05-20</a:t>
             </a:fld>
             <a:endParaRPr lang="ko-KR" altLang="en-US"/>
           </a:p>
@@ -1326,7 +1327,7 @@
           <a:p>
             <a:fld id="{FB30EDBD-1C2D-4C1E-B459-B60219FAB484}" type="datetimeFigureOut">
               <a:rPr lang="ko-KR" altLang="en-US" smtClean="0"/>
-              <a:t>2015-05-11</a:t>
+              <a:t>2015-05-20</a:t>
             </a:fld>
             <a:endParaRPr lang="ko-KR" altLang="en-US"/>
           </a:p>
@@ -1743,7 +1744,7 @@
           <a:p>
             <a:fld id="{FB30EDBD-1C2D-4C1E-B459-B60219FAB484}" type="datetimeFigureOut">
               <a:rPr lang="ko-KR" altLang="en-US" smtClean="0"/>
-              <a:t>2015-05-11</a:t>
+              <a:t>2015-05-20</a:t>
             </a:fld>
             <a:endParaRPr lang="ko-KR" altLang="en-US"/>
           </a:p>
@@ -1856,7 +1857,7 @@
           <a:p>
             <a:fld id="{FB30EDBD-1C2D-4C1E-B459-B60219FAB484}" type="datetimeFigureOut">
               <a:rPr lang="ko-KR" altLang="en-US" smtClean="0"/>
-              <a:t>2015-05-11</a:t>
+              <a:t>2015-05-20</a:t>
             </a:fld>
             <a:endParaRPr lang="ko-KR" altLang="en-US"/>
           </a:p>
@@ -1946,7 +1947,7 @@
           <a:p>
             <a:fld id="{FB30EDBD-1C2D-4C1E-B459-B60219FAB484}" type="datetimeFigureOut">
               <a:rPr lang="ko-KR" altLang="en-US" smtClean="0"/>
-              <a:t>2015-05-11</a:t>
+              <a:t>2015-05-20</a:t>
             </a:fld>
             <a:endParaRPr lang="ko-KR" altLang="en-US"/>
           </a:p>
@@ -2218,7 +2219,7 @@
           <a:p>
             <a:fld id="{FB30EDBD-1C2D-4C1E-B459-B60219FAB484}" type="datetimeFigureOut">
               <a:rPr lang="ko-KR" altLang="en-US" smtClean="0"/>
-              <a:t>2015-05-11</a:t>
+              <a:t>2015-05-20</a:t>
             </a:fld>
             <a:endParaRPr lang="ko-KR" altLang="en-US"/>
           </a:p>
@@ -2466,7 +2467,7 @@
           <a:p>
             <a:fld id="{FB30EDBD-1C2D-4C1E-B459-B60219FAB484}" type="datetimeFigureOut">
               <a:rPr lang="ko-KR" altLang="en-US" smtClean="0"/>
-              <a:t>2015-05-11</a:t>
+              <a:t>2015-05-20</a:t>
             </a:fld>
             <a:endParaRPr lang="ko-KR" altLang="en-US"/>
           </a:p>
@@ -2674,7 +2675,7 @@
           <a:p>
             <a:fld id="{FB30EDBD-1C2D-4C1E-B459-B60219FAB484}" type="datetimeFigureOut">
               <a:rPr lang="ko-KR" altLang="en-US" smtClean="0"/>
-              <a:t>2015-05-11</a:t>
+              <a:t>2015-05-20</a:t>
             </a:fld>
             <a:endParaRPr lang="ko-KR" altLang="en-US"/>
           </a:p>
@@ -3181,7 +3182,9 @@
         </p:nvSpPr>
         <p:spPr/>
         <p:txBody>
-          <a:bodyPr/>
+          <a:bodyPr>
+            <a:normAutofit/>
+          </a:bodyPr>
           <a:lstStyle/>
           <a:p>
             <a:r>
@@ -3229,7 +3232,15 @@
             </a:r>
             <a:r>
               <a:rPr lang="en-US" altLang="ko-KR" dirty="0" smtClean="0"/>
-              <a:t>: ID, </a:t>
+              <a:t>: </a:t>
+            </a:r>
+            <a:r>
+              <a:rPr lang="ko-KR" altLang="en-US" dirty="0" err="1" smtClean="0"/>
+              <a:t>샵</a:t>
+            </a:r>
+            <a:r>
+              <a:rPr lang="en-US" altLang="ko-KR" dirty="0" smtClean="0"/>
+              <a:t>ID, </a:t>
             </a:r>
             <a:r>
               <a:rPr lang="ko-KR" altLang="en-US" dirty="0" err="1" smtClean="0"/>
@@ -3249,19 +3260,19 @@
             </a:r>
             <a:r>
               <a:rPr lang="ko-KR" altLang="en-US" dirty="0" smtClean="0"/>
-              <a:t>리뷰 수</a:t>
+              <a:t>로고</a:t>
+            </a:r>
+            <a:r>
+              <a:rPr lang="en-US" altLang="ko-KR" dirty="0" err="1" smtClean="0"/>
+              <a:t>img</a:t>
             </a:r>
             <a:r>
               <a:rPr lang="en-US" altLang="ko-KR" dirty="0" smtClean="0"/>
               <a:t>, </a:t>
             </a:r>
             <a:r>
-              <a:rPr lang="ko-KR" altLang="en-US" dirty="0" smtClean="0"/>
-              <a:t>로고</a:t>
-            </a:r>
-            <a:r>
-              <a:rPr lang="en-US" altLang="ko-KR" dirty="0" err="1" smtClean="0"/>
-              <a:t>img</a:t>
+              <a:rPr lang="ko-KR" altLang="en-US" dirty="0" err="1" smtClean="0"/>
+              <a:t>별점</a:t>
             </a:r>
             <a:endParaRPr lang="en-US" altLang="ko-KR" dirty="0" smtClean="0"/>
           </a:p>
@@ -3271,6 +3282,411 @@
     <p:extLst>
       <p:ext uri="{BB962C8B-B14F-4D97-AF65-F5344CB8AC3E}">
         <p14:creationId xmlns:p14="http://schemas.microsoft.com/office/powerpoint/2010/main" val="1540957659"/>
+      </p:ext>
+    </p:extLst>
+  </p:cSld>
+  <p:clrMapOvr>
+    <a:masterClrMapping/>
+  </p:clrMapOvr>
+  <p:timing>
+    <p:tnLst>
+      <p:par>
+        <p:cTn id="1" dur="indefinite" restart="never" nodeType="tmRoot"/>
+      </p:par>
+    </p:tnLst>
+  </p:timing>
+</p:sld>
+</file>
+
+<file path=ppt/slides/slide11.xml><?xml version="1.0" encoding="utf-8"?>
+<p:sld xmlns:a="http://schemas.openxmlformats.org/drawingml/2006/main" xmlns:r="http://schemas.openxmlformats.org/officeDocument/2006/relationships" xmlns:p="http://schemas.openxmlformats.org/presentationml/2006/main">
+  <p:cSld>
+    <p:spTree>
+      <p:nvGrpSpPr>
+        <p:cNvPr id="1" name=""/>
+        <p:cNvGrpSpPr/>
+        <p:nvPr/>
+      </p:nvGrpSpPr>
+      <p:grpSpPr>
+        <a:xfrm>
+          <a:off x="0" y="0"/>
+          <a:ext cx="0" cy="0"/>
+          <a:chOff x="0" y="0"/>
+          <a:chExt cx="0" cy="0"/>
+        </a:xfrm>
+      </p:grpSpPr>
+      <p:sp>
+        <p:nvSpPr>
+          <p:cNvPr id="2" name="제목 1"/>
+          <p:cNvSpPr>
+            <a:spLocks noGrp="1"/>
+          </p:cNvSpPr>
+          <p:nvPr>
+            <p:ph type="title"/>
+          </p:nvPr>
+        </p:nvSpPr>
+        <p:spPr/>
+        <p:txBody>
+          <a:bodyPr/>
+          <a:lstStyle/>
+          <a:p>
+            <a:r>
+              <a:rPr lang="ko-KR" altLang="en-US" dirty="0" err="1" smtClean="0"/>
+              <a:t>샵</a:t>
+            </a:r>
+            <a:r>
+              <a:rPr lang="ko-KR" altLang="en-US" dirty="0" smtClean="0"/>
+              <a:t> 정보</a:t>
+            </a:r>
+            <a:endParaRPr lang="ko-KR" altLang="en-US" dirty="0"/>
+          </a:p>
+        </p:txBody>
+      </p:sp>
+      <p:sp>
+        <p:nvSpPr>
+          <p:cNvPr id="3" name="내용 개체 틀 2"/>
+          <p:cNvSpPr>
+            <a:spLocks noGrp="1"/>
+          </p:cNvSpPr>
+          <p:nvPr>
+            <p:ph idx="1"/>
+          </p:nvPr>
+        </p:nvSpPr>
+        <p:spPr/>
+        <p:txBody>
+          <a:bodyPr>
+            <a:normAutofit fontScale="62500" lnSpcReduction="20000"/>
+          </a:bodyPr>
+          <a:lstStyle/>
+          <a:p>
+            <a:r>
+              <a:rPr lang="ko-KR" altLang="en-US" dirty="0" err="1" smtClean="0"/>
+              <a:t>샵</a:t>
+            </a:r>
+            <a:r>
+              <a:rPr lang="ko-KR" altLang="en-US" dirty="0" smtClean="0"/>
+              <a:t> 정보 </a:t>
+            </a:r>
+            <a:r>
+              <a:rPr lang="ko-KR" altLang="en-US" dirty="0" smtClean="0"/>
+              <a:t>테이블</a:t>
+            </a:r>
+            <a:endParaRPr lang="en-US" altLang="ko-KR" dirty="0" smtClean="0"/>
+          </a:p>
+          <a:p>
+            <a:pPr lvl="1"/>
+            <a:r>
+              <a:rPr lang="ko-KR" altLang="en-US" dirty="0" err="1" smtClean="0"/>
+              <a:t>테이블명</a:t>
+            </a:r>
+            <a:r>
+              <a:rPr lang="ko-KR" altLang="en-US" dirty="0" smtClean="0"/>
+              <a:t> </a:t>
+            </a:r>
+            <a:r>
+              <a:rPr lang="en-US" altLang="ko-KR" dirty="0" smtClean="0"/>
+              <a:t>: SHOPINFO_TB</a:t>
+            </a:r>
+            <a:endParaRPr lang="en-US" altLang="ko-KR" dirty="0" smtClean="0"/>
+          </a:p>
+          <a:p>
+            <a:pPr lvl="1"/>
+            <a:r>
+              <a:rPr lang="ko-KR" altLang="en-US" dirty="0" err="1" smtClean="0"/>
+              <a:t>샵</a:t>
+            </a:r>
+            <a:r>
+              <a:rPr lang="en-US" altLang="ko-KR" dirty="0" smtClean="0"/>
+              <a:t>ID, </a:t>
+            </a:r>
+            <a:r>
+              <a:rPr lang="ko-KR" altLang="en-US" dirty="0" smtClean="0"/>
+              <a:t>소개</a:t>
+            </a:r>
+            <a:r>
+              <a:rPr lang="en-US" altLang="ko-KR" dirty="0" smtClean="0"/>
+              <a:t>, </a:t>
+            </a:r>
+            <a:r>
+              <a:rPr lang="ko-KR" altLang="en-US" dirty="0" smtClean="0"/>
+              <a:t>작품 테이블</a:t>
+            </a:r>
+            <a:r>
+              <a:rPr lang="en-US" altLang="ko-KR" dirty="0" smtClean="0"/>
+              <a:t>, </a:t>
+            </a:r>
+            <a:r>
+              <a:rPr lang="ko-KR" altLang="en-US" dirty="0" smtClean="0"/>
+              <a:t>소속 아티스트 테이블</a:t>
+            </a:r>
+            <a:r>
+              <a:rPr lang="en-US" altLang="ko-KR" dirty="0" smtClean="0"/>
+              <a:t>, </a:t>
+            </a:r>
+            <a:r>
+              <a:rPr lang="ko-KR" altLang="en-US" dirty="0" smtClean="0"/>
+              <a:t>리뷰 테이블</a:t>
+            </a:r>
+            <a:endParaRPr lang="en-US" altLang="ko-KR" dirty="0" smtClean="0"/>
+          </a:p>
+          <a:p>
+            <a:r>
+              <a:rPr lang="ko-KR" altLang="en-US" dirty="0"/>
+              <a:t>소속 아티스트 </a:t>
+            </a:r>
+            <a:r>
+              <a:rPr lang="ko-KR" altLang="en-US" dirty="0" smtClean="0"/>
+              <a:t>테이블</a:t>
+            </a:r>
+            <a:endParaRPr lang="en-US" altLang="ko-KR" dirty="0" smtClean="0"/>
+          </a:p>
+          <a:p>
+            <a:pPr lvl="1"/>
+            <a:r>
+              <a:rPr lang="ko-KR" altLang="en-US" dirty="0" err="1" smtClean="0"/>
+              <a:t>테이블명</a:t>
+            </a:r>
+            <a:r>
+              <a:rPr lang="ko-KR" altLang="en-US" dirty="0" smtClean="0"/>
+              <a:t> </a:t>
+            </a:r>
+            <a:r>
+              <a:rPr lang="en-US" altLang="ko-KR" dirty="0" smtClean="0"/>
+              <a:t>: </a:t>
+            </a:r>
+            <a:r>
+              <a:rPr lang="ko-KR" altLang="en-US" dirty="0" err="1" smtClean="0"/>
+              <a:t>샵이름</a:t>
+            </a:r>
+            <a:r>
+              <a:rPr lang="en-US" altLang="ko-KR" dirty="0" smtClean="0"/>
+              <a:t>_ARTIST_TB</a:t>
+            </a:r>
+            <a:endParaRPr lang="en-US" altLang="ko-KR" dirty="0"/>
+          </a:p>
+          <a:p>
+            <a:pPr lvl="1"/>
+            <a:r>
+              <a:rPr lang="ko-KR" altLang="en-US" dirty="0" err="1"/>
+              <a:t>샵의</a:t>
+            </a:r>
+            <a:r>
+              <a:rPr lang="ko-KR" altLang="en-US" dirty="0"/>
+              <a:t> 아티스트들의 정보를 저장하는 테이블</a:t>
+            </a:r>
+            <a:endParaRPr lang="en-US" altLang="ko-KR" dirty="0"/>
+          </a:p>
+          <a:p>
+            <a:pPr lvl="1"/>
+            <a:r>
+              <a:rPr lang="ko-KR" altLang="en-US" dirty="0"/>
+              <a:t>아티스트</a:t>
+            </a:r>
+            <a:r>
+              <a:rPr lang="en-US" altLang="ko-KR" dirty="0"/>
+              <a:t>ID, </a:t>
+            </a:r>
+            <a:r>
+              <a:rPr lang="ko-KR" altLang="en-US" dirty="0"/>
+              <a:t>이름</a:t>
+            </a:r>
+            <a:r>
+              <a:rPr lang="en-US" altLang="ko-KR" dirty="0"/>
+              <a:t>, </a:t>
+            </a:r>
+            <a:r>
+              <a:rPr lang="ko-KR" altLang="en-US" dirty="0"/>
+              <a:t>소개 </a:t>
+            </a:r>
+            <a:r>
+              <a:rPr lang="ko-KR" altLang="en-US" dirty="0" smtClean="0"/>
+              <a:t>글</a:t>
+            </a:r>
+            <a:endParaRPr lang="en-US" altLang="ko-KR" dirty="0" smtClean="0"/>
+          </a:p>
+          <a:p>
+            <a:r>
+              <a:rPr lang="ko-KR" altLang="en-US" dirty="0" smtClean="0"/>
+              <a:t>작품 </a:t>
+            </a:r>
+            <a:r>
+              <a:rPr lang="ko-KR" altLang="en-US" dirty="0" smtClean="0"/>
+              <a:t>테이블</a:t>
+            </a:r>
+            <a:endParaRPr lang="en-US" altLang="ko-KR" dirty="0" smtClean="0"/>
+          </a:p>
+          <a:p>
+            <a:pPr lvl="1"/>
+            <a:r>
+              <a:rPr lang="ko-KR" altLang="en-US" dirty="0" err="1" smtClean="0"/>
+              <a:t>테이블명</a:t>
+            </a:r>
+            <a:r>
+              <a:rPr lang="ko-KR" altLang="en-US" dirty="0" smtClean="0"/>
+              <a:t> </a:t>
+            </a:r>
+            <a:r>
+              <a:rPr lang="en-US" altLang="ko-KR" dirty="0" smtClean="0"/>
+              <a:t>: </a:t>
+            </a:r>
+            <a:r>
+              <a:rPr lang="ko-KR" altLang="en-US" dirty="0" err="1" smtClean="0"/>
+              <a:t>샵이름</a:t>
+            </a:r>
+            <a:r>
+              <a:rPr lang="en-US" altLang="ko-KR" dirty="0" smtClean="0"/>
+              <a:t>_WORKS_TB</a:t>
+            </a:r>
+            <a:endParaRPr lang="en-US" altLang="ko-KR" dirty="0" smtClean="0"/>
+          </a:p>
+          <a:p>
+            <a:pPr lvl="1"/>
+            <a:r>
+              <a:rPr lang="ko-KR" altLang="en-US" dirty="0" err="1" smtClean="0"/>
+              <a:t>샵의</a:t>
+            </a:r>
+            <a:r>
+              <a:rPr lang="ko-KR" altLang="en-US" dirty="0" smtClean="0"/>
+              <a:t> 작품들을 저장하는 테이블</a:t>
+            </a:r>
+            <a:endParaRPr lang="en-US" altLang="ko-KR" dirty="0" smtClean="0"/>
+          </a:p>
+          <a:p>
+            <a:pPr lvl="1"/>
+            <a:r>
+              <a:rPr lang="ko-KR" altLang="en-US" dirty="0" smtClean="0"/>
+              <a:t>작품</a:t>
+            </a:r>
+            <a:r>
+              <a:rPr lang="en-US" altLang="ko-KR" dirty="0" smtClean="0"/>
+              <a:t>ID, </a:t>
+            </a:r>
+            <a:r>
+              <a:rPr lang="ko-KR" altLang="en-US" dirty="0" smtClean="0"/>
+              <a:t>아티스트 이름</a:t>
+            </a:r>
+            <a:r>
+              <a:rPr lang="en-US" altLang="ko-KR" dirty="0" smtClean="0"/>
+              <a:t>, </a:t>
+            </a:r>
+            <a:r>
+              <a:rPr lang="ko-KR" altLang="en-US" dirty="0" smtClean="0"/>
+              <a:t>제목</a:t>
+            </a:r>
+            <a:r>
+              <a:rPr lang="en-US" altLang="ko-KR" dirty="0" smtClean="0"/>
+              <a:t>, </a:t>
+            </a:r>
+            <a:r>
+              <a:rPr lang="ko-KR" altLang="en-US" dirty="0" smtClean="0"/>
+              <a:t>사진 </a:t>
+            </a:r>
+            <a:r>
+              <a:rPr lang="ko-KR" altLang="en-US" dirty="0" err="1" smtClean="0"/>
+              <a:t>폴더명</a:t>
+            </a:r>
+            <a:endParaRPr lang="en-US" altLang="ko-KR" dirty="0" smtClean="0"/>
+          </a:p>
+          <a:p>
+            <a:r>
+              <a:rPr lang="ko-KR" altLang="en-US" dirty="0" err="1" smtClean="0"/>
+              <a:t>샵</a:t>
+            </a:r>
+            <a:r>
+              <a:rPr lang="ko-KR" altLang="en-US" dirty="0" smtClean="0"/>
+              <a:t> 리뷰 </a:t>
+            </a:r>
+            <a:r>
+              <a:rPr lang="ko-KR" altLang="en-US" dirty="0" smtClean="0"/>
+              <a:t>테이블</a:t>
+            </a:r>
+            <a:endParaRPr lang="en-US" altLang="ko-KR" dirty="0" smtClean="0"/>
+          </a:p>
+          <a:p>
+            <a:pPr lvl="1"/>
+            <a:r>
+              <a:rPr lang="ko-KR" altLang="en-US" dirty="0" err="1" smtClean="0"/>
+              <a:t>테이블명</a:t>
+            </a:r>
+            <a:r>
+              <a:rPr lang="en-US" altLang="ko-KR" dirty="0"/>
+              <a:t> </a:t>
+            </a:r>
+            <a:r>
+              <a:rPr lang="en-US" altLang="ko-KR" dirty="0" smtClean="0"/>
+              <a:t>: </a:t>
+            </a:r>
+            <a:r>
+              <a:rPr lang="ko-KR" altLang="en-US" dirty="0" err="1" smtClean="0"/>
+              <a:t>샵이름</a:t>
+            </a:r>
+            <a:r>
+              <a:rPr lang="en-US" altLang="ko-KR" dirty="0" smtClean="0"/>
+              <a:t>_REVIEW_TB</a:t>
+            </a:r>
+            <a:endParaRPr lang="en-US" altLang="ko-KR" dirty="0"/>
+          </a:p>
+          <a:p>
+            <a:pPr lvl="1"/>
+            <a:r>
+              <a:rPr lang="ko-KR" altLang="en-US" dirty="0"/>
+              <a:t>사용자 리뷰를 저장하는 </a:t>
+            </a:r>
+            <a:r>
+              <a:rPr lang="ko-KR" altLang="en-US" dirty="0" smtClean="0"/>
+              <a:t>테이블</a:t>
+            </a:r>
+            <a:endParaRPr lang="en-US" altLang="ko-KR" dirty="0" smtClean="0"/>
+          </a:p>
+          <a:p>
+            <a:pPr lvl="1"/>
+            <a:r>
+              <a:rPr lang="ko-KR" altLang="en-US" dirty="0" smtClean="0"/>
+              <a:t>리뷰</a:t>
+            </a:r>
+            <a:r>
+              <a:rPr lang="en-US" altLang="ko-KR" dirty="0" smtClean="0"/>
+              <a:t>ID, </a:t>
+            </a:r>
+            <a:r>
+              <a:rPr lang="ko-KR" altLang="en-US" dirty="0" smtClean="0"/>
+              <a:t>레벨</a:t>
+            </a:r>
+            <a:r>
+              <a:rPr lang="en-US" altLang="ko-KR" dirty="0" smtClean="0"/>
+              <a:t>(1, 2), </a:t>
+            </a:r>
+            <a:r>
+              <a:rPr lang="ko-KR" altLang="en-US" dirty="0" smtClean="0"/>
+              <a:t>작성자</a:t>
+            </a:r>
+            <a:r>
+              <a:rPr lang="en-US" altLang="ko-KR" dirty="0" smtClean="0"/>
+              <a:t>, </a:t>
+            </a:r>
+            <a:r>
+              <a:rPr lang="ko-KR" altLang="en-US" dirty="0" err="1" smtClean="0"/>
+              <a:t>별점</a:t>
+            </a:r>
+            <a:r>
+              <a:rPr lang="en-US" altLang="ko-KR" dirty="0" smtClean="0"/>
+              <a:t>, </a:t>
+            </a:r>
+            <a:r>
+              <a:rPr lang="ko-KR" altLang="en-US" dirty="0" smtClean="0"/>
+              <a:t>내용</a:t>
+            </a:r>
+            <a:endParaRPr lang="en-US" altLang="ko-KR" dirty="0"/>
+          </a:p>
+          <a:p>
+            <a:endParaRPr lang="en-US" altLang="ko-KR" dirty="0" smtClean="0"/>
+          </a:p>
+        </p:txBody>
+      </p:sp>
+    </p:spTree>
+    <p:extLst>
+      <p:ext uri="{BB962C8B-B14F-4D97-AF65-F5344CB8AC3E}">
+        <p14:creationId xmlns:p14="http://schemas.microsoft.com/office/powerpoint/2010/main" val="3804580271"/>
       </p:ext>
     </p:extLst>
   </p:cSld>
@@ -6382,8 +6798,12 @@
               <a:t> 종류</a:t>
             </a:r>
             <a:r>
-              <a:rPr lang="en-US" altLang="ko-KR" smtClean="0"/>
+              <a:rPr lang="en-US" altLang="ko-KR" dirty="0" smtClean="0"/>
               <a:t>, </a:t>
+            </a:r>
+            <a:r>
+              <a:rPr lang="ko-KR" altLang="en-US" smtClean="0"/>
+              <a:t>연결 페이지</a:t>
             </a:r>
             <a:endParaRPr lang="en-US" altLang="ko-KR" dirty="0"/>
           </a:p>
